--- a/01.pptx
+++ b/01.pptx
@@ -17,19 +17,20 @@
     <p:sldId id="264" r:id="rId11"/>
     <p:sldId id="265" r:id="rId12"/>
     <p:sldId id="263" r:id="rId13"/>
-    <p:sldId id="284" r:id="rId14"/>
-    <p:sldId id="279" r:id="rId15"/>
-    <p:sldId id="270" r:id="rId16"/>
-    <p:sldId id="272" r:id="rId17"/>
-    <p:sldId id="275" r:id="rId18"/>
-    <p:sldId id="276" r:id="rId19"/>
-    <p:sldId id="278" r:id="rId20"/>
-    <p:sldId id="268" r:id="rId21"/>
-    <p:sldId id="269" r:id="rId22"/>
-    <p:sldId id="271" r:id="rId23"/>
-    <p:sldId id="260" r:id="rId24"/>
-    <p:sldId id="267" r:id="rId25"/>
-    <p:sldId id="261" r:id="rId26"/>
+    <p:sldId id="286" r:id="rId14"/>
+    <p:sldId id="284" r:id="rId15"/>
+    <p:sldId id="279" r:id="rId16"/>
+    <p:sldId id="270" r:id="rId17"/>
+    <p:sldId id="272" r:id="rId18"/>
+    <p:sldId id="275" r:id="rId19"/>
+    <p:sldId id="276" r:id="rId20"/>
+    <p:sldId id="278" r:id="rId21"/>
+    <p:sldId id="268" r:id="rId22"/>
+    <p:sldId id="269" r:id="rId23"/>
+    <p:sldId id="271" r:id="rId24"/>
+    <p:sldId id="260" r:id="rId25"/>
+    <p:sldId id="267" r:id="rId26"/>
+    <p:sldId id="261" r:id="rId27"/>
   </p:sldIdLst>
   <p:sldSz cx="12192000" cy="6858000"/>
   <p:notesSz cx="6858000" cy="9144000"/>
@@ -7273,6 +7274,374 @@
   <p:cSld>
     <p:spTree>
       <p:nvGrpSpPr>
+        <p:cNvPr id="1" name=""/>
+        <p:cNvGrpSpPr/>
+        <p:nvPr/>
+      </p:nvGrpSpPr>
+      <p:grpSpPr>
+        <a:xfrm>
+          <a:off x="0" y="0"/>
+          <a:ext cx="0" cy="0"/>
+          <a:chOff x="0" y="0"/>
+          <a:chExt cx="0" cy="0"/>
+        </a:xfrm>
+      </p:grpSpPr>
+      <p:sp>
+        <p:nvSpPr>
+          <p:cNvPr id="2" name="タイトル 1">
+            <a:extLst>
+              <a:ext uri="{FF2B5EF4-FFF2-40B4-BE49-F238E27FC236}">
+                <a16:creationId xmlns:a16="http://schemas.microsoft.com/office/drawing/2014/main" id="{26587372-0193-CB17-E468-8353BE01C495}"/>
+              </a:ext>
+            </a:extLst>
+          </p:cNvPr>
+          <p:cNvSpPr>
+            <a:spLocks noGrp="1"/>
+          </p:cNvSpPr>
+          <p:nvPr>
+            <p:ph type="title"/>
+          </p:nvPr>
+        </p:nvSpPr>
+        <p:spPr/>
+        <p:txBody>
+          <a:bodyPr/>
+          <a:lstStyle/>
+          <a:p>
+            <a:r>
+              <a:rPr kumimoji="1" lang="en-US" altLang="ja-JP" dirty="0" err="1"/>
+              <a:t>Wokwi</a:t>
+            </a:r>
+            <a:r>
+              <a:rPr kumimoji="1" lang="ja-JP" altLang="en-US" dirty="0"/>
+              <a:t>と</a:t>
+            </a:r>
+            <a:r>
+              <a:rPr kumimoji="1" lang="en-US" altLang="ja-JP" dirty="0"/>
+              <a:t>M5Stack</a:t>
+            </a:r>
+            <a:r>
+              <a:rPr kumimoji="1" lang="ja-JP" altLang="en-US" dirty="0"/>
+              <a:t>で通信を試行した</a:t>
+            </a:r>
+          </a:p>
+        </p:txBody>
+      </p:sp>
+      <p:pic>
+        <p:nvPicPr>
+          <p:cNvPr id="5" name="図 4">
+            <a:extLst>
+              <a:ext uri="{FF2B5EF4-FFF2-40B4-BE49-F238E27FC236}">
+                <a16:creationId xmlns:a16="http://schemas.microsoft.com/office/drawing/2014/main" id="{D0FECD61-710F-08F1-1D2E-FB6ADEADA307}"/>
+              </a:ext>
+            </a:extLst>
+          </p:cNvPr>
+          <p:cNvPicPr>
+            <a:picLocks noChangeAspect="1"/>
+          </p:cNvPicPr>
+          <p:nvPr/>
+        </p:nvPicPr>
+        <p:blipFill>
+          <a:blip r:embed="rId2"/>
+          <a:stretch>
+            <a:fillRect/>
+          </a:stretch>
+        </p:blipFill>
+        <p:spPr>
+          <a:xfrm>
+            <a:off x="343527" y="1507524"/>
+            <a:ext cx="4221868" cy="4061254"/>
+          </a:xfrm>
+          <a:prstGeom prst="rect">
+            <a:avLst/>
+          </a:prstGeom>
+        </p:spPr>
+      </p:pic>
+      <p:pic>
+        <p:nvPicPr>
+          <p:cNvPr id="7" name="図 6">
+            <a:extLst>
+              <a:ext uri="{FF2B5EF4-FFF2-40B4-BE49-F238E27FC236}">
+                <a16:creationId xmlns:a16="http://schemas.microsoft.com/office/drawing/2014/main" id="{003FF8ED-B0FF-C072-CFA3-35A16E63E555}"/>
+              </a:ext>
+            </a:extLst>
+          </p:cNvPr>
+          <p:cNvPicPr>
+            <a:picLocks noChangeAspect="1"/>
+          </p:cNvPicPr>
+          <p:nvPr/>
+        </p:nvPicPr>
+        <p:blipFill>
+          <a:blip r:embed="rId3"/>
+          <a:stretch>
+            <a:fillRect/>
+          </a:stretch>
+        </p:blipFill>
+        <p:spPr>
+          <a:xfrm>
+            <a:off x="1754658" y="3618470"/>
+            <a:ext cx="3377191" cy="2978937"/>
+          </a:xfrm>
+          <a:prstGeom prst="rect">
+            <a:avLst/>
+          </a:prstGeom>
+          <a:ln w="31750">
+            <a:solidFill>
+              <a:schemeClr val="accent1">
+                <a:shade val="15000"/>
+                <a:alpha val="80000"/>
+              </a:schemeClr>
+            </a:solidFill>
+          </a:ln>
+        </p:spPr>
+      </p:pic>
+      <p:pic>
+        <p:nvPicPr>
+          <p:cNvPr id="9" name="図 8">
+            <a:extLst>
+              <a:ext uri="{FF2B5EF4-FFF2-40B4-BE49-F238E27FC236}">
+                <a16:creationId xmlns:a16="http://schemas.microsoft.com/office/drawing/2014/main" id="{45B10631-34A1-E230-9EF3-47440169171B}"/>
+              </a:ext>
+            </a:extLst>
+          </p:cNvPr>
+          <p:cNvPicPr>
+            <a:picLocks noChangeAspect="1"/>
+          </p:cNvPicPr>
+          <p:nvPr/>
+        </p:nvPicPr>
+        <p:blipFill>
+          <a:blip r:embed="rId4"/>
+          <a:stretch>
+            <a:fillRect/>
+          </a:stretch>
+        </p:blipFill>
+        <p:spPr>
+          <a:xfrm>
+            <a:off x="7667674" y="1416907"/>
+            <a:ext cx="4417234" cy="3537696"/>
+          </a:xfrm>
+          <a:prstGeom prst="rect">
+            <a:avLst/>
+          </a:prstGeom>
+        </p:spPr>
+      </p:pic>
+      <p:sp>
+        <p:nvSpPr>
+          <p:cNvPr id="10" name="矢印: 右 9">
+            <a:extLst>
+              <a:ext uri="{FF2B5EF4-FFF2-40B4-BE49-F238E27FC236}">
+                <a16:creationId xmlns:a16="http://schemas.microsoft.com/office/drawing/2014/main" id="{DF3B2984-3C1D-09CA-D581-C89106D86D1E}"/>
+              </a:ext>
+            </a:extLst>
+          </p:cNvPr>
+          <p:cNvSpPr/>
+          <p:nvPr/>
+        </p:nvSpPr>
+        <p:spPr>
+          <a:xfrm rot="10800000">
+            <a:off x="4753232" y="2125362"/>
+            <a:ext cx="2636109" cy="733168"/>
+          </a:xfrm>
+          <a:prstGeom prst="rightArrow">
+            <a:avLst/>
+          </a:prstGeom>
+          <a:solidFill>
+            <a:schemeClr val="accent6">
+              <a:lumMod val="60000"/>
+              <a:lumOff val="40000"/>
+              <a:alpha val="32000"/>
+            </a:schemeClr>
+          </a:solidFill>
+          <a:ln>
+            <a:noFill/>
+          </a:ln>
+        </p:spPr>
+        <p:style>
+          <a:lnRef idx="2">
+            <a:schemeClr val="accent1">
+              <a:shade val="15000"/>
+            </a:schemeClr>
+          </a:lnRef>
+          <a:fillRef idx="1">
+            <a:schemeClr val="accent1"/>
+          </a:fillRef>
+          <a:effectRef idx="0">
+            <a:schemeClr val="accent1"/>
+          </a:effectRef>
+          <a:fontRef idx="minor">
+            <a:schemeClr val="lt1"/>
+          </a:fontRef>
+        </p:style>
+        <p:txBody>
+          <a:bodyPr rtlCol="0" anchor="ctr"/>
+          <a:lstStyle/>
+          <a:p>
+            <a:pPr algn="ctr"/>
+            <a:endParaRPr kumimoji="1" lang="ja-JP" altLang="en-US" dirty="0"/>
+          </a:p>
+        </p:txBody>
+      </p:sp>
+      <p:sp>
+        <p:nvSpPr>
+          <p:cNvPr id="11" name="矢印: 右 10">
+            <a:extLst>
+              <a:ext uri="{FF2B5EF4-FFF2-40B4-BE49-F238E27FC236}">
+                <a16:creationId xmlns:a16="http://schemas.microsoft.com/office/drawing/2014/main" id="{1CBA7C3E-EDA2-6EA4-5CB7-8E3D6BE720D4}"/>
+              </a:ext>
+            </a:extLst>
+          </p:cNvPr>
+          <p:cNvSpPr/>
+          <p:nvPr/>
+        </p:nvSpPr>
+        <p:spPr>
+          <a:xfrm>
+            <a:off x="4753232" y="2926620"/>
+            <a:ext cx="2636109" cy="733168"/>
+          </a:xfrm>
+          <a:prstGeom prst="rightArrow">
+            <a:avLst/>
+          </a:prstGeom>
+          <a:solidFill>
+            <a:schemeClr val="accent6">
+              <a:lumMod val="60000"/>
+              <a:lumOff val="40000"/>
+              <a:alpha val="32000"/>
+            </a:schemeClr>
+          </a:solidFill>
+          <a:ln>
+            <a:noFill/>
+          </a:ln>
+        </p:spPr>
+        <p:style>
+          <a:lnRef idx="2">
+            <a:schemeClr val="accent1">
+              <a:shade val="15000"/>
+            </a:schemeClr>
+          </a:lnRef>
+          <a:fillRef idx="1">
+            <a:schemeClr val="accent1"/>
+          </a:fillRef>
+          <a:effectRef idx="0">
+            <a:schemeClr val="accent1"/>
+          </a:effectRef>
+          <a:fontRef idx="minor">
+            <a:schemeClr val="lt1"/>
+          </a:fontRef>
+        </p:style>
+        <p:txBody>
+          <a:bodyPr rtlCol="0" anchor="ctr"/>
+          <a:lstStyle/>
+          <a:p>
+            <a:pPr algn="ctr"/>
+            <a:endParaRPr kumimoji="1" lang="ja-JP" altLang="en-US"/>
+          </a:p>
+        </p:txBody>
+      </p:sp>
+      <p:sp>
+        <p:nvSpPr>
+          <p:cNvPr id="12" name="テキスト ボックス 11">
+            <a:extLst>
+              <a:ext uri="{FF2B5EF4-FFF2-40B4-BE49-F238E27FC236}">
+                <a16:creationId xmlns:a16="http://schemas.microsoft.com/office/drawing/2014/main" id="{F0A2C093-C891-3CEC-8F5E-067A4DB3A864}"/>
+              </a:ext>
+            </a:extLst>
+          </p:cNvPr>
+          <p:cNvSpPr txBox="1"/>
+          <p:nvPr/>
+        </p:nvSpPr>
+        <p:spPr>
+          <a:xfrm>
+            <a:off x="5235115" y="2057271"/>
+            <a:ext cx="1933502" cy="646331"/>
+          </a:xfrm>
+          <a:prstGeom prst="rect">
+            <a:avLst/>
+          </a:prstGeom>
+          <a:noFill/>
+        </p:spPr>
+        <p:txBody>
+          <a:bodyPr wrap="square" rtlCol="0">
+            <a:spAutoFit/>
+          </a:bodyPr>
+          <a:lstStyle/>
+          <a:p>
+            <a:r>
+              <a:rPr kumimoji="1" lang="ja-JP" altLang="en-US" dirty="0"/>
+              <a:t>ボタン押す度に</a:t>
+            </a:r>
+            <a:endParaRPr kumimoji="1" lang="en-US" altLang="ja-JP" dirty="0"/>
+          </a:p>
+          <a:p>
+            <a:r>
+              <a:rPr kumimoji="1" lang="en-US" altLang="ja-JP" dirty="0"/>
+              <a:t>1, 2, 3, 4, 5, …</a:t>
+            </a:r>
+          </a:p>
+        </p:txBody>
+      </p:sp>
+      <p:sp>
+        <p:nvSpPr>
+          <p:cNvPr id="13" name="テキスト ボックス 12">
+            <a:extLst>
+              <a:ext uri="{FF2B5EF4-FFF2-40B4-BE49-F238E27FC236}">
+                <a16:creationId xmlns:a16="http://schemas.microsoft.com/office/drawing/2014/main" id="{4CD254C7-685C-CAF1-749E-58F6CDC5AAD3}"/>
+              </a:ext>
+            </a:extLst>
+          </p:cNvPr>
+          <p:cNvSpPr txBox="1"/>
+          <p:nvPr/>
+        </p:nvSpPr>
+        <p:spPr>
+          <a:xfrm>
+            <a:off x="5235115" y="3070185"/>
+            <a:ext cx="1933502" cy="646331"/>
+          </a:xfrm>
+          <a:prstGeom prst="rect">
+            <a:avLst/>
+          </a:prstGeom>
+          <a:noFill/>
+        </p:spPr>
+        <p:txBody>
+          <a:bodyPr wrap="square" rtlCol="0">
+            <a:spAutoFit/>
+          </a:bodyPr>
+          <a:lstStyle/>
+          <a:p>
+            <a:r>
+              <a:rPr kumimoji="1" lang="ja-JP" altLang="en-US" dirty="0"/>
+              <a:t>受け取った値</a:t>
+            </a:r>
+            <a:r>
+              <a:rPr kumimoji="1" lang="en-US" altLang="ja-JP" dirty="0"/>
+              <a:t>+10</a:t>
+            </a:r>
+          </a:p>
+          <a:p>
+            <a:r>
+              <a:rPr kumimoji="1" lang="ja-JP" altLang="en-US" dirty="0"/>
+              <a:t>を返す</a:t>
+            </a:r>
+            <a:endParaRPr kumimoji="1" lang="en-US" altLang="ja-JP" dirty="0"/>
+          </a:p>
+        </p:txBody>
+      </p:sp>
+    </p:spTree>
+    <p:extLst>
+      <p:ext uri="{BB962C8B-B14F-4D97-AF65-F5344CB8AC3E}">
+        <p14:creationId xmlns:p14="http://schemas.microsoft.com/office/powerpoint/2010/main" val="3742248653"/>
+      </p:ext>
+    </p:extLst>
+  </p:cSld>
+  <p:clrMapOvr>
+    <a:masterClrMapping/>
+  </p:clrMapOvr>
+</p:sld>
+</file>
+
+<file path=ppt/slides/slide14.xml><?xml version="1.0" encoding="utf-8"?>
+<p:sld xmlns:a="http://schemas.openxmlformats.org/drawingml/2006/main" xmlns:r="http://schemas.openxmlformats.org/officeDocument/2006/relationships" xmlns:p="http://schemas.openxmlformats.org/presentationml/2006/main">
+  <p:cSld>
+    <p:spTree>
+      <p:nvGrpSpPr>
         <p:cNvPr id="1" name="">
           <a:extLst>
             <a:ext uri="{FF2B5EF4-FFF2-40B4-BE49-F238E27FC236}">
@@ -7427,181 +7796,6 @@
     <p:extLst>
       <p:ext uri="{BB962C8B-B14F-4D97-AF65-F5344CB8AC3E}">
         <p14:creationId xmlns:p14="http://schemas.microsoft.com/office/powerpoint/2010/main" val="83356261"/>
-      </p:ext>
-    </p:extLst>
-  </p:cSld>
-  <p:clrMapOvr>
-    <a:masterClrMapping/>
-  </p:clrMapOvr>
-</p:sld>
-</file>
-
-<file path=ppt/slides/slide14.xml><?xml version="1.0" encoding="utf-8"?>
-<p:sld xmlns:a="http://schemas.openxmlformats.org/drawingml/2006/main" xmlns:r="http://schemas.openxmlformats.org/officeDocument/2006/relationships" xmlns:p="http://schemas.openxmlformats.org/presentationml/2006/main">
-  <p:cSld>
-    <p:spTree>
-      <p:nvGrpSpPr>
-        <p:cNvPr id="1" name=""/>
-        <p:cNvGrpSpPr/>
-        <p:nvPr/>
-      </p:nvGrpSpPr>
-      <p:grpSpPr>
-        <a:xfrm>
-          <a:off x="0" y="0"/>
-          <a:ext cx="0" cy="0"/>
-          <a:chOff x="0" y="0"/>
-          <a:chExt cx="0" cy="0"/>
-        </a:xfrm>
-      </p:grpSpPr>
-      <p:sp>
-        <p:nvSpPr>
-          <p:cNvPr id="2" name="タイトル 1">
-            <a:extLst>
-              <a:ext uri="{FF2B5EF4-FFF2-40B4-BE49-F238E27FC236}">
-                <a16:creationId xmlns:a16="http://schemas.microsoft.com/office/drawing/2014/main" id="{2AE277C9-94E4-3CA8-2169-601B2A5A24C0}"/>
-              </a:ext>
-            </a:extLst>
-          </p:cNvPr>
-          <p:cNvSpPr>
-            <a:spLocks noGrp="1"/>
-          </p:cNvSpPr>
-          <p:nvPr>
-            <p:ph type="title"/>
-          </p:nvPr>
-        </p:nvSpPr>
-        <p:spPr/>
-        <p:txBody>
-          <a:bodyPr/>
-          <a:lstStyle/>
-          <a:p>
-            <a:r>
-              <a:rPr kumimoji="1" lang="en-US" altLang="ja-JP" dirty="0"/>
-              <a:t>UART</a:t>
-            </a:r>
-            <a:r>
-              <a:rPr kumimoji="1" lang="ja-JP" altLang="en-US" dirty="0"/>
-              <a:t>の用途</a:t>
-            </a:r>
-          </a:p>
-        </p:txBody>
-      </p:sp>
-      <p:sp>
-        <p:nvSpPr>
-          <p:cNvPr id="3" name="コンテンツ プレースホルダー 2">
-            <a:extLst>
-              <a:ext uri="{FF2B5EF4-FFF2-40B4-BE49-F238E27FC236}">
-                <a16:creationId xmlns:a16="http://schemas.microsoft.com/office/drawing/2014/main" id="{66530088-3574-56E5-777D-C6765AFDCFCD}"/>
-              </a:ext>
-            </a:extLst>
-          </p:cNvPr>
-          <p:cNvSpPr>
-            <a:spLocks noGrp="1"/>
-          </p:cNvSpPr>
-          <p:nvPr>
-            <p:ph idx="1"/>
-          </p:nvPr>
-        </p:nvSpPr>
-        <p:spPr/>
-        <p:txBody>
-          <a:bodyPr/>
-          <a:lstStyle/>
-          <a:p>
-            <a:r>
-              <a:rPr kumimoji="1" lang="ja-JP" altLang="en-US" dirty="0"/>
-              <a:t>マイコン同士の通信</a:t>
-            </a:r>
-            <a:endParaRPr kumimoji="1" lang="en-US" altLang="ja-JP" dirty="0"/>
-          </a:p>
-          <a:p>
-            <a:r>
-              <a:rPr lang="ja-JP" altLang="en-US" dirty="0"/>
-              <a:t>周辺機器との通信。センサー、</a:t>
-            </a:r>
-            <a:r>
-              <a:rPr lang="en-US" altLang="ja-JP" dirty="0"/>
-              <a:t>GPS</a:t>
-            </a:r>
-            <a:r>
-              <a:rPr lang="ja-JP" altLang="en-US" dirty="0"/>
-              <a:t>モジュール、通信モジュール、液晶表示モジュール等々</a:t>
-            </a:r>
-            <a:endParaRPr lang="en-US" altLang="ja-JP" dirty="0"/>
-          </a:p>
-          <a:p>
-            <a:pPr lvl="1"/>
-            <a:r>
-              <a:rPr lang="ja-JP" altLang="en-US" dirty="0"/>
-              <a:t>高速さを重視する場合には、</a:t>
-            </a:r>
-            <a:r>
-              <a:rPr lang="en-US" altLang="ja-JP" dirty="0"/>
-              <a:t>UART</a:t>
-            </a:r>
-            <a:r>
-              <a:rPr lang="ja-JP" altLang="en-US" dirty="0"/>
-              <a:t>でなく</a:t>
-            </a:r>
-            <a:r>
-              <a:rPr lang="en-US" altLang="ja-JP" dirty="0"/>
-              <a:t>SPI</a:t>
-            </a:r>
-            <a:r>
-              <a:rPr lang="ja-JP" altLang="en-US" dirty="0"/>
-              <a:t>を用いる例が多いが、</a:t>
-            </a:r>
-            <a:r>
-              <a:rPr lang="en-US" altLang="ja-JP" dirty="0"/>
-              <a:t>SPI</a:t>
-            </a:r>
-            <a:r>
-              <a:rPr lang="ja-JP" altLang="en-US" dirty="0"/>
-              <a:t>は基本</a:t>
-            </a:r>
-            <a:r>
-              <a:rPr lang="en-US" altLang="ja-JP" dirty="0"/>
-              <a:t>4</a:t>
-            </a:r>
-            <a:r>
-              <a:rPr lang="ja-JP" altLang="en-US" dirty="0"/>
-              <a:t>本線が必須であり配線が多くなる</a:t>
-            </a:r>
-            <a:endParaRPr lang="en-US" altLang="ja-JP" dirty="0"/>
-          </a:p>
-          <a:p>
-            <a:r>
-              <a:rPr lang="ja-JP" altLang="en-US" dirty="0"/>
-              <a:t>デバッグ用途。変数値の確認や、コマンド送出など</a:t>
-            </a:r>
-            <a:endParaRPr lang="en-US" altLang="ja-JP" dirty="0"/>
-          </a:p>
-          <a:p>
-            <a:r>
-              <a:rPr lang="ja-JP" altLang="en-US" dirty="0"/>
-              <a:t>マイコンへのファームウェアの書き込み</a:t>
-            </a:r>
-            <a:endParaRPr lang="en-US" altLang="ja-JP" dirty="0"/>
-          </a:p>
-          <a:p>
-            <a:r>
-              <a:rPr lang="ja-JP" altLang="en-US" dirty="0"/>
-              <a:t>複数系統</a:t>
-            </a:r>
-            <a:r>
-              <a:rPr lang="en-US" altLang="ja-JP" dirty="0"/>
-              <a:t>UART</a:t>
-            </a:r>
-            <a:r>
-              <a:rPr lang="ja-JP" altLang="en-US" dirty="0"/>
-              <a:t>を持つマイコンだと、同時に複数モジュールとやりとりできる。片方をデバッグ用途にしたりもできる。</a:t>
-            </a:r>
-            <a:endParaRPr lang="en-US" altLang="ja-JP" dirty="0"/>
-          </a:p>
-        </p:txBody>
-      </p:sp>
-    </p:spTree>
-    <p:extLst>
-      <p:ext uri="{BB962C8B-B14F-4D97-AF65-F5344CB8AC3E}">
-        <p14:creationId xmlns:p14="http://schemas.microsoft.com/office/powerpoint/2010/main" val="3708523626"/>
       </p:ext>
     </p:extLst>
   </p:cSld>
@@ -7633,6 +7827,181 @@
           <p:cNvPr id="2" name="タイトル 1">
             <a:extLst>
               <a:ext uri="{FF2B5EF4-FFF2-40B4-BE49-F238E27FC236}">
+                <a16:creationId xmlns:a16="http://schemas.microsoft.com/office/drawing/2014/main" id="{2AE277C9-94E4-3CA8-2169-601B2A5A24C0}"/>
+              </a:ext>
+            </a:extLst>
+          </p:cNvPr>
+          <p:cNvSpPr>
+            <a:spLocks noGrp="1"/>
+          </p:cNvSpPr>
+          <p:nvPr>
+            <p:ph type="title"/>
+          </p:nvPr>
+        </p:nvSpPr>
+        <p:spPr/>
+        <p:txBody>
+          <a:bodyPr/>
+          <a:lstStyle/>
+          <a:p>
+            <a:r>
+              <a:rPr kumimoji="1" lang="en-US" altLang="ja-JP" dirty="0"/>
+              <a:t>UART</a:t>
+            </a:r>
+            <a:r>
+              <a:rPr kumimoji="1" lang="ja-JP" altLang="en-US" dirty="0"/>
+              <a:t>の用途</a:t>
+            </a:r>
+          </a:p>
+        </p:txBody>
+      </p:sp>
+      <p:sp>
+        <p:nvSpPr>
+          <p:cNvPr id="3" name="コンテンツ プレースホルダー 2">
+            <a:extLst>
+              <a:ext uri="{FF2B5EF4-FFF2-40B4-BE49-F238E27FC236}">
+                <a16:creationId xmlns:a16="http://schemas.microsoft.com/office/drawing/2014/main" id="{66530088-3574-56E5-777D-C6765AFDCFCD}"/>
+              </a:ext>
+            </a:extLst>
+          </p:cNvPr>
+          <p:cNvSpPr>
+            <a:spLocks noGrp="1"/>
+          </p:cNvSpPr>
+          <p:nvPr>
+            <p:ph idx="1"/>
+          </p:nvPr>
+        </p:nvSpPr>
+        <p:spPr/>
+        <p:txBody>
+          <a:bodyPr/>
+          <a:lstStyle/>
+          <a:p>
+            <a:r>
+              <a:rPr kumimoji="1" lang="ja-JP" altLang="en-US" dirty="0"/>
+              <a:t>マイコン同士の通信</a:t>
+            </a:r>
+            <a:endParaRPr kumimoji="1" lang="en-US" altLang="ja-JP" dirty="0"/>
+          </a:p>
+          <a:p>
+            <a:r>
+              <a:rPr lang="ja-JP" altLang="en-US" dirty="0"/>
+              <a:t>周辺機器との通信。センサー、</a:t>
+            </a:r>
+            <a:r>
+              <a:rPr lang="en-US" altLang="ja-JP" dirty="0"/>
+              <a:t>GPS</a:t>
+            </a:r>
+            <a:r>
+              <a:rPr lang="ja-JP" altLang="en-US" dirty="0"/>
+              <a:t>モジュール、通信モジュール、液晶表示モジュール等々</a:t>
+            </a:r>
+            <a:endParaRPr lang="en-US" altLang="ja-JP" dirty="0"/>
+          </a:p>
+          <a:p>
+            <a:pPr lvl="1"/>
+            <a:r>
+              <a:rPr lang="ja-JP" altLang="en-US" dirty="0"/>
+              <a:t>高速さを重視する場合には、</a:t>
+            </a:r>
+            <a:r>
+              <a:rPr lang="en-US" altLang="ja-JP" dirty="0"/>
+              <a:t>UART</a:t>
+            </a:r>
+            <a:r>
+              <a:rPr lang="ja-JP" altLang="en-US" dirty="0"/>
+              <a:t>でなく</a:t>
+            </a:r>
+            <a:r>
+              <a:rPr lang="en-US" altLang="ja-JP" dirty="0"/>
+              <a:t>SPI</a:t>
+            </a:r>
+            <a:r>
+              <a:rPr lang="ja-JP" altLang="en-US" dirty="0"/>
+              <a:t>を用いる例が多いが、</a:t>
+            </a:r>
+            <a:r>
+              <a:rPr lang="en-US" altLang="ja-JP" dirty="0"/>
+              <a:t>SPI</a:t>
+            </a:r>
+            <a:r>
+              <a:rPr lang="ja-JP" altLang="en-US" dirty="0"/>
+              <a:t>は基本</a:t>
+            </a:r>
+            <a:r>
+              <a:rPr lang="en-US" altLang="ja-JP" dirty="0"/>
+              <a:t>4</a:t>
+            </a:r>
+            <a:r>
+              <a:rPr lang="ja-JP" altLang="en-US" dirty="0"/>
+              <a:t>本線が必須であり配線が多くなる</a:t>
+            </a:r>
+            <a:endParaRPr lang="en-US" altLang="ja-JP" dirty="0"/>
+          </a:p>
+          <a:p>
+            <a:r>
+              <a:rPr lang="ja-JP" altLang="en-US" dirty="0"/>
+              <a:t>デバッグ用途。変数値の確認や、コマンド送出など</a:t>
+            </a:r>
+            <a:endParaRPr lang="en-US" altLang="ja-JP" dirty="0"/>
+          </a:p>
+          <a:p>
+            <a:r>
+              <a:rPr lang="ja-JP" altLang="en-US" dirty="0"/>
+              <a:t>マイコンへのファームウェアの書き込み</a:t>
+            </a:r>
+            <a:endParaRPr lang="en-US" altLang="ja-JP" dirty="0"/>
+          </a:p>
+          <a:p>
+            <a:r>
+              <a:rPr lang="ja-JP" altLang="en-US" dirty="0"/>
+              <a:t>複数系統</a:t>
+            </a:r>
+            <a:r>
+              <a:rPr lang="en-US" altLang="ja-JP" dirty="0"/>
+              <a:t>UART</a:t>
+            </a:r>
+            <a:r>
+              <a:rPr lang="ja-JP" altLang="en-US" dirty="0"/>
+              <a:t>を持つマイコンだと、同時に複数モジュールとやりとりできる。片方をデバッグ用途にしたりもできる。</a:t>
+            </a:r>
+            <a:endParaRPr lang="en-US" altLang="ja-JP" dirty="0"/>
+          </a:p>
+        </p:txBody>
+      </p:sp>
+    </p:spTree>
+    <p:extLst>
+      <p:ext uri="{BB962C8B-B14F-4D97-AF65-F5344CB8AC3E}">
+        <p14:creationId xmlns:p14="http://schemas.microsoft.com/office/powerpoint/2010/main" val="3708523626"/>
+      </p:ext>
+    </p:extLst>
+  </p:cSld>
+  <p:clrMapOvr>
+    <a:masterClrMapping/>
+  </p:clrMapOvr>
+</p:sld>
+</file>
+
+<file path=ppt/slides/slide16.xml><?xml version="1.0" encoding="utf-8"?>
+<p:sld xmlns:a="http://schemas.openxmlformats.org/drawingml/2006/main" xmlns:r="http://schemas.openxmlformats.org/officeDocument/2006/relationships" xmlns:p="http://schemas.openxmlformats.org/presentationml/2006/main">
+  <p:cSld>
+    <p:spTree>
+      <p:nvGrpSpPr>
+        <p:cNvPr id="1" name=""/>
+        <p:cNvGrpSpPr/>
+        <p:nvPr/>
+      </p:nvGrpSpPr>
+      <p:grpSpPr>
+        <a:xfrm>
+          <a:off x="0" y="0"/>
+          <a:ext cx="0" cy="0"/>
+          <a:chOff x="0" y="0"/>
+          <a:chExt cx="0" cy="0"/>
+        </a:xfrm>
+      </p:grpSpPr>
+      <p:sp>
+        <p:nvSpPr>
+          <p:cNvPr id="2" name="タイトル 1">
+            <a:extLst>
+              <a:ext uri="{FF2B5EF4-FFF2-40B4-BE49-F238E27FC236}">
                 <a16:creationId xmlns:a16="http://schemas.microsoft.com/office/drawing/2014/main" id="{C88C7B88-1215-AB0B-69F0-403B7B6C14B7}"/>
               </a:ext>
             </a:extLst>
@@ -7719,7 +8088,7 @@
 </p:sld>
 </file>
 
-<file path=ppt/slides/slide16.xml><?xml version="1.0" encoding="utf-8"?>
+<file path=ppt/slides/slide17.xml><?xml version="1.0" encoding="utf-8"?>
 <p:sld xmlns:a="http://schemas.openxmlformats.org/drawingml/2006/main" xmlns:r="http://schemas.openxmlformats.org/officeDocument/2006/relationships" xmlns:p="http://schemas.openxmlformats.org/presentationml/2006/main">
   <p:cSld>
     <p:spTree>
@@ -8919,141 +9288,6 @@
 </p:sld>
 </file>
 
-<file path=ppt/slides/slide17.xml><?xml version="1.0" encoding="utf-8"?>
-<p:sld xmlns:a="http://schemas.openxmlformats.org/drawingml/2006/main" xmlns:r="http://schemas.openxmlformats.org/officeDocument/2006/relationships" xmlns:p="http://schemas.openxmlformats.org/presentationml/2006/main">
-  <p:cSld>
-    <p:spTree>
-      <p:nvGrpSpPr>
-        <p:cNvPr id="1" name=""/>
-        <p:cNvGrpSpPr/>
-        <p:nvPr/>
-      </p:nvGrpSpPr>
-      <p:grpSpPr>
-        <a:xfrm>
-          <a:off x="0" y="0"/>
-          <a:ext cx="0" cy="0"/>
-          <a:chOff x="0" y="0"/>
-          <a:chExt cx="0" cy="0"/>
-        </a:xfrm>
-      </p:grpSpPr>
-      <p:sp>
-        <p:nvSpPr>
-          <p:cNvPr id="2" name="タイトル 1">
-            <a:extLst>
-              <a:ext uri="{FF2B5EF4-FFF2-40B4-BE49-F238E27FC236}">
-                <a16:creationId xmlns:a16="http://schemas.microsoft.com/office/drawing/2014/main" id="{07B18072-013A-2533-C050-3C101131BB43}"/>
-              </a:ext>
-            </a:extLst>
-          </p:cNvPr>
-          <p:cNvSpPr>
-            <a:spLocks noGrp="1"/>
-          </p:cNvSpPr>
-          <p:nvPr>
-            <p:ph type="title"/>
-          </p:nvPr>
-        </p:nvSpPr>
-        <p:spPr/>
-        <p:txBody>
-          <a:bodyPr/>
-          <a:lstStyle/>
-          <a:p>
-            <a:r>
-              <a:rPr kumimoji="1" lang="ja-JP" altLang="en-US" dirty="0"/>
-              <a:t>シリアル接続、シリアル通信とは</a:t>
-            </a:r>
-          </a:p>
-        </p:txBody>
-      </p:sp>
-      <p:sp>
-        <p:nvSpPr>
-          <p:cNvPr id="3" name="コンテンツ プレースホルダー 2">
-            <a:extLst>
-              <a:ext uri="{FF2B5EF4-FFF2-40B4-BE49-F238E27FC236}">
-                <a16:creationId xmlns:a16="http://schemas.microsoft.com/office/drawing/2014/main" id="{29A8958D-B9CC-1632-2CB2-8C67DBA66495}"/>
-              </a:ext>
-            </a:extLst>
-          </p:cNvPr>
-          <p:cNvSpPr>
-            <a:spLocks noGrp="1"/>
-          </p:cNvSpPr>
-          <p:nvPr>
-            <p:ph idx="1"/>
-          </p:nvPr>
-        </p:nvSpPr>
-        <p:spPr/>
-        <p:txBody>
-          <a:bodyPr/>
-          <a:lstStyle/>
-          <a:p>
-            <a:r>
-              <a:rPr kumimoji="1" lang="ja-JP" altLang="en-US" dirty="0"/>
-              <a:t>「</a:t>
-            </a:r>
-            <a:r>
-              <a:rPr kumimoji="1" lang="en-US" altLang="ja-JP" dirty="0"/>
-              <a:t>series</a:t>
-            </a:r>
-            <a:r>
-              <a:rPr kumimoji="1" lang="ja-JP" altLang="en-US" dirty="0"/>
-              <a:t>」（列・連続）と同じ語源</a:t>
-            </a:r>
-            <a:endParaRPr kumimoji="1" lang="en-US" altLang="ja-JP" dirty="0"/>
-          </a:p>
-          <a:p>
-            <a:r>
-              <a:rPr kumimoji="1" lang="ja-JP" altLang="en-US" dirty="0"/>
-              <a:t>順番、連続、ということで、１つずつ順番に送信する</a:t>
-            </a:r>
-            <a:endParaRPr kumimoji="1" lang="en-US" altLang="ja-JP" dirty="0"/>
-          </a:p>
-          <a:p>
-            <a:r>
-              <a:rPr lang="ja-JP" altLang="en-US" dirty="0"/>
-              <a:t>配線がシンプルである</a:t>
-            </a:r>
-            <a:endParaRPr kumimoji="1" lang="en-US" altLang="ja-JP" dirty="0"/>
-          </a:p>
-          <a:p>
-            <a:r>
-              <a:rPr lang="ja-JP" altLang="en-US" dirty="0"/>
-              <a:t>対照語的なものに「パラレル通信」がある</a:t>
-            </a:r>
-            <a:endParaRPr lang="en-US" altLang="ja-JP" dirty="0"/>
-          </a:p>
-          <a:p>
-            <a:pPr lvl="1"/>
-            <a:r>
-              <a:rPr kumimoji="1" lang="ja-JP" altLang="en-US" dirty="0"/>
-              <a:t>パラレル通信は線が複数必要である</a:t>
-            </a:r>
-            <a:endParaRPr kumimoji="1" lang="en-US" altLang="ja-JP" dirty="0"/>
-          </a:p>
-          <a:p>
-            <a:pPr lvl="1"/>
-            <a:r>
-              <a:rPr lang="ja-JP" altLang="en-US" dirty="0"/>
-              <a:t>複数線があると、ズレないように同期して通信するのが難易度上がる</a:t>
-            </a:r>
-            <a:endParaRPr kumimoji="1" lang="en-US" altLang="ja-JP" dirty="0"/>
-          </a:p>
-          <a:p>
-            <a:endParaRPr kumimoji="1" lang="ja-JP" altLang="en-US" dirty="0"/>
-          </a:p>
-        </p:txBody>
-      </p:sp>
-    </p:spTree>
-    <p:extLst>
-      <p:ext uri="{BB962C8B-B14F-4D97-AF65-F5344CB8AC3E}">
-        <p14:creationId xmlns:p14="http://schemas.microsoft.com/office/powerpoint/2010/main" val="965420860"/>
-      </p:ext>
-    </p:extLst>
-  </p:cSld>
-  <p:clrMapOvr>
-    <a:masterClrMapping/>
-  </p:clrMapOvr>
-</p:sld>
-</file>
-
 <file path=ppt/slides/slide18.xml><?xml version="1.0" encoding="utf-8"?>
 <p:sld xmlns:a="http://schemas.openxmlformats.org/drawingml/2006/main" xmlns:r="http://schemas.openxmlformats.org/officeDocument/2006/relationships" xmlns:p="http://schemas.openxmlformats.org/presentationml/2006/main">
   <p:cSld>
@@ -9076,7 +9310,7 @@
           <p:cNvPr id="2" name="タイトル 1">
             <a:extLst>
               <a:ext uri="{FF2B5EF4-FFF2-40B4-BE49-F238E27FC236}">
-                <a16:creationId xmlns:a16="http://schemas.microsoft.com/office/drawing/2014/main" id="{4FFDC394-48E6-DC4F-3056-DD4574A9B450}"/>
+                <a16:creationId xmlns:a16="http://schemas.microsoft.com/office/drawing/2014/main" id="{07B18072-013A-2533-C050-3C101131BB43}"/>
               </a:ext>
             </a:extLst>
           </p:cNvPr>
@@ -9094,7 +9328,7 @@
           <a:p>
             <a:r>
               <a:rPr kumimoji="1" lang="ja-JP" altLang="en-US" dirty="0"/>
-              <a:t>シリアル通信の具体例</a:t>
+              <a:t>シリアル接続、シリアル通信とは</a:t>
             </a:r>
           </a:p>
         </p:txBody>
@@ -9104,7 +9338,7 @@
           <p:cNvPr id="3" name="コンテンツ プレースホルダー 2">
             <a:extLst>
               <a:ext uri="{FF2B5EF4-FFF2-40B4-BE49-F238E27FC236}">
-                <a16:creationId xmlns:a16="http://schemas.microsoft.com/office/drawing/2014/main" id="{479B14B1-087C-6FC3-CADF-182143D91B7B}"/>
+                <a16:creationId xmlns:a16="http://schemas.microsoft.com/office/drawing/2014/main" id="{29A8958D-B9CC-1632-2CB2-8C67DBA66495}"/>
               </a:ext>
             </a:extLst>
           </p:cNvPr>
@@ -9121,113 +9355,65 @@
           <a:lstStyle/>
           <a:p>
             <a:r>
+              <a:rPr kumimoji="1" lang="ja-JP" altLang="en-US" dirty="0"/>
+              <a:t>「</a:t>
+            </a:r>
+            <a:r>
+              <a:rPr kumimoji="1" lang="en-US" altLang="ja-JP" dirty="0"/>
+              <a:t>series</a:t>
+            </a:r>
+            <a:r>
+              <a:rPr kumimoji="1" lang="ja-JP" altLang="en-US" dirty="0"/>
+              <a:t>」（列・連続）と同じ語源</a:t>
+            </a:r>
+            <a:endParaRPr kumimoji="1" lang="en-US" altLang="ja-JP" dirty="0"/>
+          </a:p>
+          <a:p>
+            <a:r>
+              <a:rPr kumimoji="1" lang="ja-JP" altLang="en-US" dirty="0"/>
+              <a:t>順番、連続、ということで、１つずつ順番に送信する</a:t>
+            </a:r>
+            <a:endParaRPr kumimoji="1" lang="en-US" altLang="ja-JP" dirty="0"/>
+          </a:p>
+          <a:p>
+            <a:r>
               <a:rPr lang="ja-JP" altLang="en-US" dirty="0"/>
-              <a:t>マイコン等でよく使うもの</a:t>
+              <a:t>配線がシンプルである</a:t>
+            </a:r>
+            <a:endParaRPr kumimoji="1" lang="en-US" altLang="ja-JP" dirty="0"/>
+          </a:p>
+          <a:p>
+            <a:r>
+              <a:rPr lang="ja-JP" altLang="en-US" dirty="0"/>
+              <a:t>対照語的なものに「パラレル通信」がある</a:t>
             </a:r>
             <a:endParaRPr lang="en-US" altLang="ja-JP" dirty="0"/>
           </a:p>
           <a:p>
             <a:pPr lvl="1"/>
             <a:r>
-              <a:rPr lang="en-US" altLang="ja-JP" dirty="0"/>
-              <a:t>UART</a:t>
-            </a:r>
+              <a:rPr kumimoji="1" lang="ja-JP" altLang="en-US" dirty="0"/>
+              <a:t>パラレル通信は線が複数必要である</a:t>
+            </a:r>
+            <a:endParaRPr kumimoji="1" lang="en-US" altLang="ja-JP" dirty="0"/>
           </a:p>
           <a:p>
             <a:pPr lvl="1"/>
             <a:r>
-              <a:rPr lang="en-US" altLang="ja-JP" dirty="0"/>
-              <a:t>I2C</a:t>
-            </a:r>
-          </a:p>
-          <a:p>
-            <a:pPr lvl="1"/>
-            <a:r>
-              <a:rPr lang="en-US" altLang="ja-JP" dirty="0"/>
-              <a:t>SPI</a:t>
-            </a:r>
-          </a:p>
-          <a:p>
-            <a:pPr lvl="1"/>
-            <a:r>
-              <a:rPr lang="en-US" altLang="ja-JP" dirty="0"/>
-              <a:t>USB</a:t>
-            </a:r>
-          </a:p>
-          <a:p>
-            <a:r>
               <a:rPr lang="ja-JP" altLang="en-US" dirty="0"/>
-              <a:t>高速なもの</a:t>
-            </a:r>
-            <a:endParaRPr lang="en-US" altLang="ja-JP" dirty="0"/>
-          </a:p>
-          <a:p>
-            <a:pPr lvl="1"/>
-            <a:r>
-              <a:rPr kumimoji="1" lang="en-US" altLang="ja-JP" dirty="0"/>
-              <a:t>SATA</a:t>
-            </a:r>
-          </a:p>
-          <a:p>
-            <a:pPr lvl="2"/>
-            <a:r>
-              <a:rPr lang="en-US" altLang="ja-JP" dirty="0"/>
-              <a:t>ATAPI</a:t>
-            </a:r>
-            <a:r>
-              <a:rPr lang="ja-JP" altLang="en-US" dirty="0"/>
-              <a:t>と同様、内臓</a:t>
-            </a:r>
-            <a:r>
-              <a:rPr lang="en-US" altLang="ja-JP" dirty="0"/>
-              <a:t>HDD</a:t>
-            </a:r>
-            <a:r>
-              <a:rPr lang="ja-JP" altLang="en-US" dirty="0"/>
-              <a:t>接続等で使用の規格だが、パラレルでなくシリアルという違いがある</a:t>
+              <a:t>複数線があると、ズレないように同期して通信するのが難易度上がる</a:t>
             </a:r>
             <a:endParaRPr kumimoji="1" lang="en-US" altLang="ja-JP" dirty="0"/>
           </a:p>
           <a:p>
-            <a:pPr lvl="1"/>
-            <a:r>
-              <a:rPr lang="en-US" altLang="ja-JP" dirty="0"/>
-              <a:t>PCI</a:t>
-            </a:r>
-            <a:r>
-              <a:rPr lang="ja-JP" altLang="en-US" dirty="0"/>
-              <a:t> </a:t>
-            </a:r>
-            <a:r>
-              <a:rPr lang="en-US" altLang="ja-JP" dirty="0"/>
-              <a:t>Express</a:t>
-            </a:r>
-          </a:p>
-          <a:p>
-            <a:pPr lvl="2"/>
-            <a:r>
-              <a:rPr kumimoji="1" lang="en-US" altLang="ja-JP" dirty="0"/>
-              <a:t>1990</a:t>
-            </a:r>
-            <a:r>
-              <a:rPr kumimoji="1" lang="ja-JP" altLang="en-US" dirty="0"/>
-              <a:t>年代のマザーボードは</a:t>
-            </a:r>
-            <a:r>
-              <a:rPr kumimoji="1" lang="en-US" altLang="ja-JP" dirty="0"/>
-              <a:t>PCI</a:t>
-            </a:r>
-            <a:r>
-              <a:rPr kumimoji="1" lang="ja-JP" altLang="en-US" dirty="0"/>
-              <a:t>だった。パラレルで限界がありシリアルになった</a:t>
-            </a:r>
+            <a:endParaRPr kumimoji="1" lang="ja-JP" altLang="en-US" dirty="0"/>
           </a:p>
         </p:txBody>
       </p:sp>
     </p:spTree>
     <p:extLst>
       <p:ext uri="{BB962C8B-B14F-4D97-AF65-F5344CB8AC3E}">
-        <p14:creationId xmlns:p14="http://schemas.microsoft.com/office/powerpoint/2010/main" val="3237923700"/>
+        <p14:creationId xmlns:p14="http://schemas.microsoft.com/office/powerpoint/2010/main" val="965420860"/>
       </p:ext>
     </p:extLst>
   </p:cSld>
@@ -9259,7 +9445,7 @@
           <p:cNvPr id="2" name="タイトル 1">
             <a:extLst>
               <a:ext uri="{FF2B5EF4-FFF2-40B4-BE49-F238E27FC236}">
-                <a16:creationId xmlns:a16="http://schemas.microsoft.com/office/drawing/2014/main" id="{18245447-01E2-3A42-8DCD-06BAB9DE9641}"/>
+                <a16:creationId xmlns:a16="http://schemas.microsoft.com/office/drawing/2014/main" id="{4FFDC394-48E6-DC4F-3056-DD4574A9B450}"/>
               </a:ext>
             </a:extLst>
           </p:cNvPr>
@@ -9276,10 +9462,9 @@
           <a:lstStyle/>
           <a:p>
             <a:r>
-              <a:rPr kumimoji="1" lang="en-US" altLang="ja-JP" dirty="0"/>
-              <a:t>USB</a:t>
-            </a:r>
-            <a:endParaRPr kumimoji="1" lang="ja-JP" altLang="en-US" dirty="0"/>
+              <a:rPr kumimoji="1" lang="ja-JP" altLang="en-US" dirty="0"/>
+              <a:t>シリアル通信の具体例</a:t>
+            </a:r>
           </a:p>
         </p:txBody>
       </p:sp>
@@ -9288,7 +9473,7 @@
           <p:cNvPr id="3" name="コンテンツ プレースホルダー 2">
             <a:extLst>
               <a:ext uri="{FF2B5EF4-FFF2-40B4-BE49-F238E27FC236}">
-                <a16:creationId xmlns:a16="http://schemas.microsoft.com/office/drawing/2014/main" id="{5727B771-6507-245B-4CB1-14A757DF5D01}"/>
+                <a16:creationId xmlns:a16="http://schemas.microsoft.com/office/drawing/2014/main" id="{479B14B1-087C-6FC3-CADF-182143D91B7B}"/>
               </a:ext>
             </a:extLst>
           </p:cNvPr>
@@ -9301,143 +9486,109 @@
         </p:nvSpPr>
         <p:spPr/>
         <p:txBody>
-          <a:bodyPr>
-            <a:normAutofit fontScale="92500" lnSpcReduction="10000"/>
-          </a:bodyPr>
-          <a:lstStyle/>
-          <a:p>
+          <a:bodyPr/>
+          <a:lstStyle/>
+          <a:p>
+            <a:r>
+              <a:rPr lang="ja-JP" altLang="en-US" dirty="0"/>
+              <a:t>マイコン等でよく使うもの</a:t>
+            </a:r>
+            <a:endParaRPr lang="en-US" altLang="ja-JP" dirty="0"/>
+          </a:p>
+          <a:p>
+            <a:pPr lvl="1"/>
+            <a:r>
+              <a:rPr lang="en-US" altLang="ja-JP" dirty="0"/>
+              <a:t>UART</a:t>
+            </a:r>
+          </a:p>
+          <a:p>
+            <a:pPr lvl="1"/>
+            <a:r>
+              <a:rPr lang="en-US" altLang="ja-JP" dirty="0"/>
+              <a:t>I2C</a:t>
+            </a:r>
+          </a:p>
+          <a:p>
+            <a:pPr lvl="1"/>
+            <a:r>
+              <a:rPr lang="en-US" altLang="ja-JP" dirty="0"/>
+              <a:t>SPI</a:t>
+            </a:r>
+          </a:p>
+          <a:p>
+            <a:pPr lvl="1"/>
+            <a:r>
+              <a:rPr lang="en-US" altLang="ja-JP" dirty="0"/>
+              <a:t>USB</a:t>
+            </a:r>
+          </a:p>
+          <a:p>
+            <a:r>
+              <a:rPr lang="ja-JP" altLang="en-US" dirty="0"/>
+              <a:t>高速なもの</a:t>
+            </a:r>
+            <a:endParaRPr lang="en-US" altLang="ja-JP" dirty="0"/>
+          </a:p>
+          <a:p>
+            <a:pPr lvl="1"/>
             <a:r>
               <a:rPr kumimoji="1" lang="en-US" altLang="ja-JP" dirty="0"/>
-              <a:t>VCC</a:t>
+              <a:t>SATA</a:t>
+            </a:r>
+          </a:p>
+          <a:p>
+            <a:pPr lvl="2"/>
+            <a:r>
+              <a:rPr lang="en-US" altLang="ja-JP" dirty="0"/>
+              <a:t>ATAPI</a:t>
+            </a:r>
+            <a:r>
+              <a:rPr lang="ja-JP" altLang="en-US" dirty="0"/>
+              <a:t>と同様、内臓</a:t>
+            </a:r>
+            <a:r>
+              <a:rPr lang="en-US" altLang="ja-JP" dirty="0"/>
+              <a:t>HDD</a:t>
+            </a:r>
+            <a:r>
+              <a:rPr lang="ja-JP" altLang="en-US" dirty="0"/>
+              <a:t>接続等で使用の規格だが、パラレルでなくシリアルという違いがある</a:t>
+            </a:r>
+            <a:endParaRPr kumimoji="1" lang="en-US" altLang="ja-JP" dirty="0"/>
+          </a:p>
+          <a:p>
+            <a:pPr lvl="1"/>
+            <a:r>
+              <a:rPr lang="en-US" altLang="ja-JP" dirty="0"/>
+              <a:t>PCI</a:t>
+            </a:r>
+            <a:r>
+              <a:rPr lang="ja-JP" altLang="en-US" dirty="0"/>
+              <a:t> </a:t>
+            </a:r>
+            <a:r>
+              <a:rPr lang="en-US" altLang="ja-JP" dirty="0"/>
+              <a:t>Express</a:t>
+            </a:r>
+          </a:p>
+          <a:p>
+            <a:pPr lvl="2"/>
+            <a:r>
+              <a:rPr kumimoji="1" lang="en-US" altLang="ja-JP" dirty="0"/>
+              <a:t>1990</a:t>
             </a:r>
             <a:r>
               <a:rPr kumimoji="1" lang="ja-JP" altLang="en-US" dirty="0"/>
-              <a:t>、</a:t>
+              <a:t>年代のマザーボードは</a:t>
             </a:r>
             <a:r>
               <a:rPr kumimoji="1" lang="en-US" altLang="ja-JP" dirty="0"/>
-              <a:t>GND</a:t>
+              <a:t>PCI</a:t>
             </a:r>
             <a:r>
               <a:rPr kumimoji="1" lang="ja-JP" altLang="en-US" dirty="0"/>
-              <a:t>、</a:t>
-            </a:r>
-            <a:r>
-              <a:rPr kumimoji="1" lang="en-US" altLang="ja-JP" dirty="0"/>
-              <a:t>D+</a:t>
-            </a:r>
-            <a:r>
-              <a:rPr kumimoji="1" lang="ja-JP" altLang="en-US" dirty="0"/>
-              <a:t>、</a:t>
-            </a:r>
-            <a:r>
-              <a:rPr kumimoji="1" lang="en-US" altLang="ja-JP" dirty="0"/>
-              <a:t>D-</a:t>
-            </a:r>
-            <a:r>
-              <a:rPr kumimoji="1" lang="ja-JP" altLang="en-US" dirty="0"/>
-              <a:t>の</a:t>
-            </a:r>
-            <a:r>
-              <a:rPr kumimoji="1" lang="en-US" altLang="ja-JP" dirty="0"/>
-              <a:t>4</a:t>
-            </a:r>
-            <a:r>
-              <a:rPr kumimoji="1" lang="ja-JP" altLang="en-US" dirty="0"/>
-              <a:t>本線で通信する</a:t>
-            </a:r>
-            <a:endParaRPr kumimoji="1" lang="en-US" altLang="ja-JP" dirty="0"/>
-          </a:p>
-          <a:p>
-            <a:pPr lvl="1"/>
-            <a:r>
-              <a:rPr lang="ja-JP" altLang="en-US" dirty="0"/>
-              <a:t>前者２つは、電源用</a:t>
-            </a:r>
-            <a:endParaRPr kumimoji="1" lang="en-US" altLang="ja-JP" dirty="0"/>
-          </a:p>
-          <a:p>
-            <a:pPr lvl="1"/>
-            <a:r>
-              <a:rPr kumimoji="1" lang="en-US" altLang="ja-JP" dirty="0"/>
-              <a:t>D+</a:t>
-            </a:r>
-            <a:r>
-              <a:rPr kumimoji="1" lang="ja-JP" altLang="en-US" dirty="0"/>
-              <a:t>と</a:t>
-            </a:r>
-            <a:r>
-              <a:rPr kumimoji="1" lang="en-US" altLang="ja-JP" dirty="0"/>
-              <a:t>D-</a:t>
-            </a:r>
-            <a:r>
-              <a:rPr kumimoji="1" lang="ja-JP" altLang="en-US" dirty="0"/>
-              <a:t>により、差動信号線を使用して送受信を行う</a:t>
-            </a:r>
-            <a:endParaRPr kumimoji="1" lang="en-US" altLang="ja-JP" dirty="0"/>
-          </a:p>
-          <a:p>
-            <a:r>
-              <a:rPr kumimoji="1" lang="en-US" altLang="ja-JP" dirty="0"/>
-              <a:t>2</a:t>
-            </a:r>
-            <a:r>
-              <a:rPr kumimoji="1" lang="ja-JP" altLang="en-US" dirty="0"/>
-              <a:t>本の線で同じ信号の正と負の波形を伝送する</a:t>
-            </a:r>
-            <a:endParaRPr lang="en-US" altLang="ja-JP" dirty="0"/>
-          </a:p>
-          <a:p>
-            <a:pPr lvl="1"/>
-            <a:r>
-              <a:rPr kumimoji="1" lang="ja-JP" altLang="en-US" dirty="0"/>
-              <a:t>それによりノイズ対策している</a:t>
-            </a:r>
-            <a:endParaRPr kumimoji="1" lang="en-US" altLang="ja-JP" dirty="0"/>
-          </a:p>
-          <a:p>
-            <a:r>
-              <a:rPr kumimoji="1" lang="ja-JP" altLang="en-US" dirty="0"/>
-              <a:t>半二重通信方式</a:t>
-            </a:r>
-            <a:r>
-              <a:rPr lang="ja-JP" altLang="en-US" dirty="0"/>
-              <a:t>。</a:t>
-            </a:r>
-            <a:endParaRPr lang="en-US" altLang="ja-JP" dirty="0"/>
-          </a:p>
-          <a:p>
-            <a:pPr lvl="1"/>
-            <a:r>
-              <a:rPr lang="ja-JP" altLang="en-US" dirty="0"/>
-              <a:t>非常に高速に送信と受信を切り替えているため、全二重通信に近く見えるようにしている</a:t>
-            </a:r>
-            <a:endParaRPr lang="en-US" altLang="ja-JP" dirty="0"/>
-          </a:p>
-          <a:p>
-            <a:r>
-              <a:rPr kumimoji="1" lang="ja-JP" altLang="en-US" dirty="0"/>
-              <a:t>データを順番に送る意味ではシリアル通信だが、</a:t>
-            </a:r>
-            <a:r>
-              <a:rPr kumimoji="1" lang="en-US" altLang="ja-JP" dirty="0"/>
-              <a:t>UART</a:t>
-            </a:r>
-            <a:r>
-              <a:rPr kumimoji="1" lang="ja-JP" altLang="en-US" dirty="0"/>
-              <a:t>と比べてプロトコルが複雑</a:t>
-            </a:r>
-            <a:endParaRPr kumimoji="1" lang="en-US" altLang="ja-JP" dirty="0"/>
-          </a:p>
-          <a:p>
-            <a:pPr lvl="1"/>
-            <a:r>
-              <a:rPr kumimoji="1" lang="en-US" altLang="ja-JP" dirty="0"/>
-              <a:t>UART</a:t>
-            </a:r>
-            <a:r>
-              <a:rPr kumimoji="1" lang="ja-JP" altLang="en-US" dirty="0"/>
-              <a:t>ではロジックアナライザ等により、デジタル回路の信号を時間軸に沿って分析すると、データ内容が分かるが、それが難しい</a:t>
+              <a:t>だった。パラレルで限界がありシリアルになった</a:t>
             </a:r>
           </a:p>
         </p:txBody>
@@ -9445,7 +9596,7 @@
     </p:spTree>
     <p:extLst>
       <p:ext uri="{BB962C8B-B14F-4D97-AF65-F5344CB8AC3E}">
-        <p14:creationId xmlns:p14="http://schemas.microsoft.com/office/powerpoint/2010/main" val="2250769542"/>
+        <p14:creationId xmlns:p14="http://schemas.microsoft.com/office/powerpoint/2010/main" val="3237923700"/>
       </p:ext>
     </p:extLst>
   </p:cSld>
@@ -9591,6 +9742,224 @@
           <p:cNvPr id="2" name="タイトル 1">
             <a:extLst>
               <a:ext uri="{FF2B5EF4-FFF2-40B4-BE49-F238E27FC236}">
+                <a16:creationId xmlns:a16="http://schemas.microsoft.com/office/drawing/2014/main" id="{18245447-01E2-3A42-8DCD-06BAB9DE9641}"/>
+              </a:ext>
+            </a:extLst>
+          </p:cNvPr>
+          <p:cNvSpPr>
+            <a:spLocks noGrp="1"/>
+          </p:cNvSpPr>
+          <p:nvPr>
+            <p:ph type="title"/>
+          </p:nvPr>
+        </p:nvSpPr>
+        <p:spPr/>
+        <p:txBody>
+          <a:bodyPr/>
+          <a:lstStyle/>
+          <a:p>
+            <a:r>
+              <a:rPr kumimoji="1" lang="en-US" altLang="ja-JP" dirty="0"/>
+              <a:t>USB</a:t>
+            </a:r>
+            <a:endParaRPr kumimoji="1" lang="ja-JP" altLang="en-US" dirty="0"/>
+          </a:p>
+        </p:txBody>
+      </p:sp>
+      <p:sp>
+        <p:nvSpPr>
+          <p:cNvPr id="3" name="コンテンツ プレースホルダー 2">
+            <a:extLst>
+              <a:ext uri="{FF2B5EF4-FFF2-40B4-BE49-F238E27FC236}">
+                <a16:creationId xmlns:a16="http://schemas.microsoft.com/office/drawing/2014/main" id="{5727B771-6507-245B-4CB1-14A757DF5D01}"/>
+              </a:ext>
+            </a:extLst>
+          </p:cNvPr>
+          <p:cNvSpPr>
+            <a:spLocks noGrp="1"/>
+          </p:cNvSpPr>
+          <p:nvPr>
+            <p:ph idx="1"/>
+          </p:nvPr>
+        </p:nvSpPr>
+        <p:spPr/>
+        <p:txBody>
+          <a:bodyPr>
+            <a:normAutofit fontScale="92500" lnSpcReduction="10000"/>
+          </a:bodyPr>
+          <a:lstStyle/>
+          <a:p>
+            <a:r>
+              <a:rPr kumimoji="1" lang="en-US" altLang="ja-JP" dirty="0"/>
+              <a:t>VCC</a:t>
+            </a:r>
+            <a:r>
+              <a:rPr kumimoji="1" lang="ja-JP" altLang="en-US" dirty="0"/>
+              <a:t>、</a:t>
+            </a:r>
+            <a:r>
+              <a:rPr kumimoji="1" lang="en-US" altLang="ja-JP" dirty="0"/>
+              <a:t>GND</a:t>
+            </a:r>
+            <a:r>
+              <a:rPr kumimoji="1" lang="ja-JP" altLang="en-US" dirty="0"/>
+              <a:t>、</a:t>
+            </a:r>
+            <a:r>
+              <a:rPr kumimoji="1" lang="en-US" altLang="ja-JP" dirty="0"/>
+              <a:t>D+</a:t>
+            </a:r>
+            <a:r>
+              <a:rPr kumimoji="1" lang="ja-JP" altLang="en-US" dirty="0"/>
+              <a:t>、</a:t>
+            </a:r>
+            <a:r>
+              <a:rPr kumimoji="1" lang="en-US" altLang="ja-JP" dirty="0"/>
+              <a:t>D-</a:t>
+            </a:r>
+            <a:r>
+              <a:rPr kumimoji="1" lang="ja-JP" altLang="en-US" dirty="0"/>
+              <a:t>の</a:t>
+            </a:r>
+            <a:r>
+              <a:rPr kumimoji="1" lang="en-US" altLang="ja-JP" dirty="0"/>
+              <a:t>4</a:t>
+            </a:r>
+            <a:r>
+              <a:rPr kumimoji="1" lang="ja-JP" altLang="en-US" dirty="0"/>
+              <a:t>本線で通信する</a:t>
+            </a:r>
+            <a:endParaRPr kumimoji="1" lang="en-US" altLang="ja-JP" dirty="0"/>
+          </a:p>
+          <a:p>
+            <a:pPr lvl="1"/>
+            <a:r>
+              <a:rPr lang="ja-JP" altLang="en-US" dirty="0"/>
+              <a:t>前者２つは、電源用</a:t>
+            </a:r>
+            <a:endParaRPr kumimoji="1" lang="en-US" altLang="ja-JP" dirty="0"/>
+          </a:p>
+          <a:p>
+            <a:pPr lvl="1"/>
+            <a:r>
+              <a:rPr kumimoji="1" lang="en-US" altLang="ja-JP" dirty="0"/>
+              <a:t>D+</a:t>
+            </a:r>
+            <a:r>
+              <a:rPr kumimoji="1" lang="ja-JP" altLang="en-US" dirty="0"/>
+              <a:t>と</a:t>
+            </a:r>
+            <a:r>
+              <a:rPr kumimoji="1" lang="en-US" altLang="ja-JP" dirty="0"/>
+              <a:t>D-</a:t>
+            </a:r>
+            <a:r>
+              <a:rPr kumimoji="1" lang="ja-JP" altLang="en-US" dirty="0"/>
+              <a:t>により、差動信号線を使用して送受信を行う</a:t>
+            </a:r>
+            <a:endParaRPr kumimoji="1" lang="en-US" altLang="ja-JP" dirty="0"/>
+          </a:p>
+          <a:p>
+            <a:r>
+              <a:rPr kumimoji="1" lang="en-US" altLang="ja-JP" dirty="0"/>
+              <a:t>2</a:t>
+            </a:r>
+            <a:r>
+              <a:rPr kumimoji="1" lang="ja-JP" altLang="en-US" dirty="0"/>
+              <a:t>本の線で同じ信号の正と負の波形を伝送する</a:t>
+            </a:r>
+            <a:endParaRPr lang="en-US" altLang="ja-JP" dirty="0"/>
+          </a:p>
+          <a:p>
+            <a:pPr lvl="1"/>
+            <a:r>
+              <a:rPr kumimoji="1" lang="ja-JP" altLang="en-US" dirty="0"/>
+              <a:t>それによりノイズ対策している</a:t>
+            </a:r>
+            <a:endParaRPr kumimoji="1" lang="en-US" altLang="ja-JP" dirty="0"/>
+          </a:p>
+          <a:p>
+            <a:r>
+              <a:rPr kumimoji="1" lang="ja-JP" altLang="en-US" dirty="0"/>
+              <a:t>半二重通信方式</a:t>
+            </a:r>
+            <a:r>
+              <a:rPr lang="ja-JP" altLang="en-US" dirty="0"/>
+              <a:t>。</a:t>
+            </a:r>
+            <a:endParaRPr lang="en-US" altLang="ja-JP" dirty="0"/>
+          </a:p>
+          <a:p>
+            <a:pPr lvl="1"/>
+            <a:r>
+              <a:rPr lang="ja-JP" altLang="en-US" dirty="0"/>
+              <a:t>非常に高速に送信と受信を切り替えているため、全二重通信に近く見えるようにしている</a:t>
+            </a:r>
+            <a:endParaRPr lang="en-US" altLang="ja-JP" dirty="0"/>
+          </a:p>
+          <a:p>
+            <a:r>
+              <a:rPr kumimoji="1" lang="ja-JP" altLang="en-US" dirty="0"/>
+              <a:t>データを順番に送る意味ではシリアル通信だが、</a:t>
+            </a:r>
+            <a:r>
+              <a:rPr kumimoji="1" lang="en-US" altLang="ja-JP" dirty="0"/>
+              <a:t>UART</a:t>
+            </a:r>
+            <a:r>
+              <a:rPr kumimoji="1" lang="ja-JP" altLang="en-US" dirty="0"/>
+              <a:t>と比べてプロトコルが複雑</a:t>
+            </a:r>
+            <a:endParaRPr kumimoji="1" lang="en-US" altLang="ja-JP" dirty="0"/>
+          </a:p>
+          <a:p>
+            <a:pPr lvl="1"/>
+            <a:r>
+              <a:rPr kumimoji="1" lang="en-US" altLang="ja-JP" dirty="0"/>
+              <a:t>UART</a:t>
+            </a:r>
+            <a:r>
+              <a:rPr kumimoji="1" lang="ja-JP" altLang="en-US" dirty="0"/>
+              <a:t>ではロジックアナライザ等により、デジタル回路の信号を時間軸に沿って分析すると、データ内容が分かるが、それが難しい</a:t>
+            </a:r>
+          </a:p>
+        </p:txBody>
+      </p:sp>
+    </p:spTree>
+    <p:extLst>
+      <p:ext uri="{BB962C8B-B14F-4D97-AF65-F5344CB8AC3E}">
+        <p14:creationId xmlns:p14="http://schemas.microsoft.com/office/powerpoint/2010/main" val="2250769542"/>
+      </p:ext>
+    </p:extLst>
+  </p:cSld>
+  <p:clrMapOvr>
+    <a:masterClrMapping/>
+  </p:clrMapOvr>
+</p:sld>
+</file>
+
+<file path=ppt/slides/slide21.xml><?xml version="1.0" encoding="utf-8"?>
+<p:sld xmlns:a="http://schemas.openxmlformats.org/drawingml/2006/main" xmlns:r="http://schemas.openxmlformats.org/officeDocument/2006/relationships" xmlns:p="http://schemas.openxmlformats.org/presentationml/2006/main">
+  <p:cSld>
+    <p:spTree>
+      <p:nvGrpSpPr>
+        <p:cNvPr id="1" name=""/>
+        <p:cNvGrpSpPr/>
+        <p:nvPr/>
+      </p:nvGrpSpPr>
+      <p:grpSpPr>
+        <a:xfrm>
+          <a:off x="0" y="0"/>
+          <a:ext cx="0" cy="0"/>
+          <a:chOff x="0" y="0"/>
+          <a:chExt cx="0" cy="0"/>
+        </a:xfrm>
+      </p:grpSpPr>
+      <p:sp>
+        <p:nvSpPr>
+          <p:cNvPr id="2" name="タイトル 1">
+            <a:extLst>
+              <a:ext uri="{FF2B5EF4-FFF2-40B4-BE49-F238E27FC236}">
                 <a16:creationId xmlns:a16="http://schemas.microsoft.com/office/drawing/2014/main" id="{4DBE75AC-61F6-92A4-126E-3073F0FD6E71}"/>
               </a:ext>
             </a:extLst>
@@ -9781,7 +10150,7 @@
 </p:sld>
 </file>
 
-<file path=ppt/slides/slide21.xml><?xml version="1.0" encoding="utf-8"?>
+<file path=ppt/slides/slide22.xml><?xml version="1.0" encoding="utf-8"?>
 <p:sld xmlns:a="http://schemas.openxmlformats.org/drawingml/2006/main" xmlns:r="http://schemas.openxmlformats.org/officeDocument/2006/relationships" xmlns:p="http://schemas.openxmlformats.org/presentationml/2006/main">
   <p:cSld>
     <p:spTree>
@@ -9930,214 +10299,6 @@
     <p:extLst>
       <p:ext uri="{BB962C8B-B14F-4D97-AF65-F5344CB8AC3E}">
         <p14:creationId xmlns:p14="http://schemas.microsoft.com/office/powerpoint/2010/main" val="3773939011"/>
-      </p:ext>
-    </p:extLst>
-  </p:cSld>
-  <p:clrMapOvr>
-    <a:masterClrMapping/>
-  </p:clrMapOvr>
-</p:sld>
-</file>
-
-<file path=ppt/slides/slide22.xml><?xml version="1.0" encoding="utf-8"?>
-<p:sld xmlns:a="http://schemas.openxmlformats.org/drawingml/2006/main" xmlns:r="http://schemas.openxmlformats.org/officeDocument/2006/relationships" xmlns:p="http://schemas.openxmlformats.org/presentationml/2006/main">
-  <p:cSld>
-    <p:spTree>
-      <p:nvGrpSpPr>
-        <p:cNvPr id="1" name=""/>
-        <p:cNvGrpSpPr/>
-        <p:nvPr/>
-      </p:nvGrpSpPr>
-      <p:grpSpPr>
-        <a:xfrm>
-          <a:off x="0" y="0"/>
-          <a:ext cx="0" cy="0"/>
-          <a:chOff x="0" y="0"/>
-          <a:chExt cx="0" cy="0"/>
-        </a:xfrm>
-      </p:grpSpPr>
-      <p:sp>
-        <p:nvSpPr>
-          <p:cNvPr id="2" name="タイトル 1">
-            <a:extLst>
-              <a:ext uri="{FF2B5EF4-FFF2-40B4-BE49-F238E27FC236}">
-                <a16:creationId xmlns:a16="http://schemas.microsoft.com/office/drawing/2014/main" id="{989D7DF6-29E8-3D10-1056-744BFABE0EBA}"/>
-              </a:ext>
-            </a:extLst>
-          </p:cNvPr>
-          <p:cNvSpPr>
-            <a:spLocks noGrp="1"/>
-          </p:cNvSpPr>
-          <p:nvPr>
-            <p:ph type="title"/>
-          </p:nvPr>
-        </p:nvSpPr>
-        <p:spPr/>
-        <p:txBody>
-          <a:bodyPr/>
-          <a:lstStyle/>
-          <a:p>
-            <a:r>
-              <a:rPr kumimoji="1" lang="en-US" altLang="ja-JP" dirty="0"/>
-              <a:t>USB</a:t>
-            </a:r>
-            <a:r>
-              <a:rPr kumimoji="1" lang="ja-JP" altLang="en-US" dirty="0"/>
-              <a:t>シリアル変換モジュールとは</a:t>
-            </a:r>
-          </a:p>
-        </p:txBody>
-      </p:sp>
-      <p:sp>
-        <p:nvSpPr>
-          <p:cNvPr id="3" name="コンテンツ プレースホルダー 2">
-            <a:extLst>
-              <a:ext uri="{FF2B5EF4-FFF2-40B4-BE49-F238E27FC236}">
-                <a16:creationId xmlns:a16="http://schemas.microsoft.com/office/drawing/2014/main" id="{B02BB6BD-0054-858E-3349-A83721BCEDA1}"/>
-              </a:ext>
-            </a:extLst>
-          </p:cNvPr>
-          <p:cNvSpPr>
-            <a:spLocks noGrp="1"/>
-          </p:cNvSpPr>
-          <p:nvPr>
-            <p:ph idx="1"/>
-          </p:nvPr>
-        </p:nvSpPr>
-        <p:spPr/>
-        <p:txBody>
-          <a:bodyPr/>
-          <a:lstStyle/>
-          <a:p>
-            <a:r>
-              <a:rPr lang="en-US" altLang="ja-JP" dirty="0"/>
-              <a:t>USB UART</a:t>
-            </a:r>
-            <a:r>
-              <a:rPr lang="ja-JP" altLang="en-US" dirty="0"/>
-              <a:t>アダプターや、</a:t>
-            </a:r>
-            <a:r>
-              <a:rPr lang="en-US" altLang="ja-JP" dirty="0"/>
-              <a:t>USB</a:t>
-            </a:r>
-            <a:r>
-              <a:rPr lang="ja-JP" altLang="en-US" dirty="0"/>
-              <a:t>シリアル変換ボードと呼称される場合も</a:t>
-            </a:r>
-            <a:endParaRPr kumimoji="1" lang="en-US" altLang="ja-JP" dirty="0"/>
-          </a:p>
-          <a:p>
-            <a:r>
-              <a:rPr kumimoji="1" lang="en-US" altLang="ja-JP" dirty="0"/>
-              <a:t>USB</a:t>
-            </a:r>
-            <a:r>
-              <a:rPr kumimoji="1" lang="ja-JP" altLang="en-US" dirty="0"/>
-              <a:t>接続を通じて</a:t>
-            </a:r>
-            <a:r>
-              <a:rPr kumimoji="1" lang="en-US" altLang="ja-JP" dirty="0"/>
-              <a:t>UART</a:t>
-            </a:r>
-            <a:r>
-              <a:rPr kumimoji="1" lang="ja-JP" altLang="en-US" dirty="0"/>
-              <a:t>通信を実現することができる</a:t>
-            </a:r>
-            <a:endParaRPr kumimoji="1" lang="en-US" altLang="ja-JP" dirty="0"/>
-          </a:p>
-          <a:p>
-            <a:r>
-              <a:rPr kumimoji="1" lang="ja-JP" altLang="en-US" dirty="0"/>
-              <a:t>仮想</a:t>
-            </a:r>
-            <a:r>
-              <a:rPr kumimoji="1" lang="en-US" altLang="ja-JP" dirty="0"/>
-              <a:t>COM</a:t>
-            </a:r>
-            <a:r>
-              <a:rPr kumimoji="1" lang="ja-JP" altLang="en-US" dirty="0"/>
-              <a:t>ポート</a:t>
-            </a:r>
-            <a:r>
-              <a:rPr lang="ja-JP" altLang="en-US" dirty="0"/>
-              <a:t>を介して</a:t>
-            </a:r>
-            <a:r>
-              <a:rPr lang="en-US" altLang="ja-JP" dirty="0"/>
-              <a:t>PC</a:t>
-            </a:r>
-            <a:r>
-              <a:rPr lang="ja-JP" altLang="en-US" dirty="0"/>
-              <a:t>とデータ通信をする</a:t>
-            </a:r>
-            <a:endParaRPr lang="en-US" altLang="ja-JP" dirty="0"/>
-          </a:p>
-          <a:p>
-            <a:r>
-              <a:rPr kumimoji="1" lang="en-US" altLang="ja-JP" dirty="0"/>
-              <a:t>USB</a:t>
-            </a:r>
-            <a:r>
-              <a:rPr kumimoji="1" lang="ja-JP" altLang="en-US" dirty="0"/>
-              <a:t>信号と</a:t>
-            </a:r>
-            <a:r>
-              <a:rPr kumimoji="1" lang="en-US" altLang="ja-JP" dirty="0"/>
-              <a:t>UART</a:t>
-            </a:r>
-            <a:r>
-              <a:rPr kumimoji="1" lang="ja-JP" altLang="en-US" dirty="0"/>
-              <a:t>信号の相互変換を行う</a:t>
-            </a:r>
-            <a:endParaRPr kumimoji="1" lang="en-US" altLang="ja-JP" dirty="0"/>
-          </a:p>
-          <a:p>
-            <a:pPr lvl="1"/>
-            <a:r>
-              <a:rPr kumimoji="1" lang="ja-JP" altLang="en-US" dirty="0"/>
-              <a:t>ハードウェアとして</a:t>
-            </a:r>
-            <a:r>
-              <a:rPr kumimoji="1" lang="en-US" altLang="ja-JP" dirty="0"/>
-              <a:t>FTDI</a:t>
-            </a:r>
-            <a:r>
-              <a:rPr kumimoji="1" lang="ja-JP" altLang="en-US" dirty="0"/>
-              <a:t>チップや</a:t>
-            </a:r>
-            <a:r>
-              <a:rPr kumimoji="1" lang="en-US" altLang="ja-JP" dirty="0"/>
-              <a:t>CP2102</a:t>
-            </a:r>
-            <a:r>
-              <a:rPr kumimoji="1" lang="ja-JP" altLang="en-US" dirty="0"/>
-              <a:t>チップがそれを実現する</a:t>
-            </a:r>
-            <a:endParaRPr kumimoji="1" lang="en-US" altLang="ja-JP" dirty="0"/>
-          </a:p>
-          <a:p>
-            <a:pPr lvl="2"/>
-            <a:r>
-              <a:rPr lang="ja-JP" altLang="en-US" dirty="0"/>
-              <a:t>ここでいうチップとは、</a:t>
-            </a:r>
-            <a:r>
-              <a:rPr lang="en-US" altLang="ja-JP" dirty="0"/>
-              <a:t>CPU</a:t>
-            </a:r>
-            <a:r>
-              <a:rPr lang="ja-JP" altLang="en-US" dirty="0"/>
-              <a:t>よりも特定の機能（通信プロトコルの処理、データ変換、信号処理など）に専念する演算装置と考えてよい</a:t>
-            </a:r>
-            <a:endParaRPr kumimoji="1" lang="en-US" altLang="ja-JP" dirty="0"/>
-          </a:p>
-        </p:txBody>
-      </p:sp>
-    </p:spTree>
-    <p:extLst>
-      <p:ext uri="{BB962C8B-B14F-4D97-AF65-F5344CB8AC3E}">
-        <p14:creationId xmlns:p14="http://schemas.microsoft.com/office/powerpoint/2010/main" val="3021348316"/>
       </p:ext>
     </p:extLst>
   </p:cSld>
@@ -10169,7 +10330,7 @@
           <p:cNvPr id="2" name="タイトル 1">
             <a:extLst>
               <a:ext uri="{FF2B5EF4-FFF2-40B4-BE49-F238E27FC236}">
-                <a16:creationId xmlns:a16="http://schemas.microsoft.com/office/drawing/2014/main" id="{243D67C6-EED6-4E59-9278-0700A71D4866}"/>
+                <a16:creationId xmlns:a16="http://schemas.microsoft.com/office/drawing/2014/main" id="{989D7DF6-29E8-3D10-1056-744BFABE0EBA}"/>
               </a:ext>
             </a:extLst>
           </p:cNvPr>
@@ -10187,17 +10348,12 @@
           <a:p>
             <a:r>
               <a:rPr kumimoji="1" lang="en-US" altLang="ja-JP" dirty="0"/>
-              <a:t>ESP32</a:t>
+              <a:t>USB</a:t>
             </a:r>
             <a:r>
               <a:rPr kumimoji="1" lang="ja-JP" altLang="en-US" dirty="0"/>
-              <a:t>と</a:t>
-            </a:r>
-            <a:r>
-              <a:rPr kumimoji="1" lang="en-US" altLang="ja-JP" dirty="0"/>
-              <a:t>M5Stack</a:t>
-            </a:r>
-            <a:endParaRPr kumimoji="1" lang="ja-JP" altLang="en-US" dirty="0"/>
+              <a:t>シリアル変換モジュールとは</a:t>
+            </a:r>
           </a:p>
         </p:txBody>
       </p:sp>
@@ -10206,7 +10362,7 @@
           <p:cNvPr id="3" name="コンテンツ プレースホルダー 2">
             <a:extLst>
               <a:ext uri="{FF2B5EF4-FFF2-40B4-BE49-F238E27FC236}">
-                <a16:creationId xmlns:a16="http://schemas.microsoft.com/office/drawing/2014/main" id="{F1C55C2A-6E91-837A-53BC-692434C2BEA6}"/>
+                <a16:creationId xmlns:a16="http://schemas.microsoft.com/office/drawing/2014/main" id="{B02BB6BD-0054-858E-3349-A83721BCEDA1}"/>
               </a:ext>
             </a:extLst>
           </p:cNvPr>
@@ -10222,16 +10378,118 @@
           <a:bodyPr/>
           <a:lstStyle/>
           <a:p>
-            <a:pPr marL="0" indent="0">
-              <a:buNone/>
-            </a:pPr>
             <a:r>
               <a:rPr lang="en-US" altLang="ja-JP" dirty="0"/>
-              <a:t>M5Stack</a:t>
+              <a:t>USB UART</a:t>
             </a:r>
             <a:r>
               <a:rPr lang="ja-JP" altLang="en-US" dirty="0"/>
-              <a:t>は、</a:t>
+              <a:t>アダプターや、</a:t>
+            </a:r>
+            <a:r>
+              <a:rPr lang="en-US" altLang="ja-JP" dirty="0"/>
+              <a:t>USB</a:t>
+            </a:r>
+            <a:r>
+              <a:rPr lang="ja-JP" altLang="en-US" dirty="0"/>
+              <a:t>シリアル変換ボードと呼称される場合も</a:t>
+            </a:r>
+            <a:endParaRPr kumimoji="1" lang="en-US" altLang="ja-JP" dirty="0"/>
+          </a:p>
+          <a:p>
+            <a:r>
+              <a:rPr kumimoji="1" lang="en-US" altLang="ja-JP" dirty="0"/>
+              <a:t>USB</a:t>
+            </a:r>
+            <a:r>
+              <a:rPr kumimoji="1" lang="ja-JP" altLang="en-US" dirty="0"/>
+              <a:t>接続を通じて</a:t>
+            </a:r>
+            <a:r>
+              <a:rPr kumimoji="1" lang="en-US" altLang="ja-JP" dirty="0"/>
+              <a:t>UART</a:t>
+            </a:r>
+            <a:r>
+              <a:rPr kumimoji="1" lang="ja-JP" altLang="en-US" dirty="0"/>
+              <a:t>通信を実現することができる</a:t>
+            </a:r>
+            <a:endParaRPr kumimoji="1" lang="en-US" altLang="ja-JP" dirty="0"/>
+          </a:p>
+          <a:p>
+            <a:r>
+              <a:rPr kumimoji="1" lang="ja-JP" altLang="en-US" dirty="0"/>
+              <a:t>仮想</a:t>
+            </a:r>
+            <a:r>
+              <a:rPr kumimoji="1" lang="en-US" altLang="ja-JP" dirty="0"/>
+              <a:t>COM</a:t>
+            </a:r>
+            <a:r>
+              <a:rPr kumimoji="1" lang="ja-JP" altLang="en-US" dirty="0"/>
+              <a:t>ポート</a:t>
+            </a:r>
+            <a:r>
+              <a:rPr lang="ja-JP" altLang="en-US" dirty="0"/>
+              <a:t>を介して</a:t>
+            </a:r>
+            <a:r>
+              <a:rPr lang="en-US" altLang="ja-JP" dirty="0"/>
+              <a:t>PC</a:t>
+            </a:r>
+            <a:r>
+              <a:rPr lang="ja-JP" altLang="en-US" dirty="0"/>
+              <a:t>とデータ通信をする</a:t>
+            </a:r>
+            <a:endParaRPr lang="en-US" altLang="ja-JP" dirty="0"/>
+          </a:p>
+          <a:p>
+            <a:r>
+              <a:rPr kumimoji="1" lang="en-US" altLang="ja-JP" dirty="0"/>
+              <a:t>USB</a:t>
+            </a:r>
+            <a:r>
+              <a:rPr kumimoji="1" lang="ja-JP" altLang="en-US" dirty="0"/>
+              <a:t>信号と</a:t>
+            </a:r>
+            <a:r>
+              <a:rPr kumimoji="1" lang="en-US" altLang="ja-JP" dirty="0"/>
+              <a:t>UART</a:t>
+            </a:r>
+            <a:r>
+              <a:rPr kumimoji="1" lang="ja-JP" altLang="en-US" dirty="0"/>
+              <a:t>信号の相互変換を行う</a:t>
+            </a:r>
+            <a:endParaRPr kumimoji="1" lang="en-US" altLang="ja-JP" dirty="0"/>
+          </a:p>
+          <a:p>
+            <a:pPr lvl="1"/>
+            <a:r>
+              <a:rPr kumimoji="1" lang="ja-JP" altLang="en-US" dirty="0"/>
+              <a:t>ハードウェアとして</a:t>
+            </a:r>
+            <a:r>
+              <a:rPr kumimoji="1" lang="en-US" altLang="ja-JP" dirty="0"/>
+              <a:t>FTDI</a:t>
+            </a:r>
+            <a:r>
+              <a:rPr kumimoji="1" lang="ja-JP" altLang="en-US" dirty="0"/>
+              <a:t>チップや</a:t>
+            </a:r>
+            <a:r>
+              <a:rPr kumimoji="1" lang="en-US" altLang="ja-JP" dirty="0"/>
+              <a:t>CP2102</a:t>
+            </a:r>
+            <a:r>
+              <a:rPr kumimoji="1" lang="ja-JP" altLang="en-US" dirty="0"/>
+              <a:t>チップがそれを実現する</a:t>
+            </a:r>
+            <a:endParaRPr kumimoji="1" lang="en-US" altLang="ja-JP" dirty="0"/>
+          </a:p>
+          <a:p>
+            <a:pPr lvl="2"/>
+            <a:r>
+              <a:rPr lang="ja-JP" altLang="en-US" dirty="0"/>
+              <a:t>ここでいうチップとは、</a:t>
             </a:r>
             <a:r>
               <a:rPr lang="en-US" altLang="ja-JP" dirty="0"/>
@@ -10239,125 +10497,16 @@
             </a:r>
             <a:r>
               <a:rPr lang="ja-JP" altLang="en-US" dirty="0"/>
-              <a:t>として</a:t>
-            </a:r>
-            <a:r>
-              <a:rPr lang="en-US" altLang="ja-JP" dirty="0"/>
-              <a:t>ESP32</a:t>
-            </a:r>
-            <a:r>
-              <a:rPr lang="ja-JP" altLang="en-US" dirty="0"/>
-              <a:t>を搭載している。そのため、下記の特長を利用できる。</a:t>
-            </a:r>
-            <a:endParaRPr lang="en-US" altLang="ja-JP" dirty="0"/>
-          </a:p>
-          <a:p>
-            <a:endParaRPr lang="en-US" altLang="ja-JP" dirty="0"/>
-          </a:p>
-          <a:p>
-            <a:r>
-              <a:rPr kumimoji="1" lang="en-US" altLang="ja-JP" dirty="0"/>
-              <a:t>ESP32</a:t>
-            </a:r>
-            <a:r>
-              <a:rPr kumimoji="1" lang="ja-JP" altLang="en-US" dirty="0"/>
-              <a:t>はデュアルコア</a:t>
+              <a:t>よりも特定の機能（通信プロトコルの処理、データ変換、信号処理など）に専念する演算装置と考えてよい</a:t>
             </a:r>
             <a:endParaRPr kumimoji="1" lang="en-US" altLang="ja-JP" dirty="0"/>
-          </a:p>
-          <a:p>
-            <a:r>
-              <a:rPr lang="en-US" altLang="ja-JP" dirty="0" err="1"/>
-              <a:t>WiFi</a:t>
-            </a:r>
-            <a:r>
-              <a:rPr lang="ja-JP" altLang="en-US" dirty="0"/>
-              <a:t>や</a:t>
-            </a:r>
-            <a:r>
-              <a:rPr lang="en-US" altLang="ja-JP" dirty="0"/>
-              <a:t>Bluetooth</a:t>
-            </a:r>
-            <a:r>
-              <a:rPr lang="ja-JP" altLang="en-US" dirty="0"/>
-              <a:t>に対応</a:t>
-            </a:r>
-            <a:endParaRPr lang="en-US" altLang="ja-JP" dirty="0"/>
-          </a:p>
-          <a:p>
-            <a:r>
-              <a:rPr lang="ja-JP" altLang="en-US" dirty="0"/>
-              <a:t>加速度、角速度のセンサーを内蔵</a:t>
-            </a:r>
-            <a:endParaRPr lang="en-US" altLang="ja-JP" dirty="0"/>
-          </a:p>
-          <a:p>
-            <a:r>
-              <a:rPr lang="ja-JP" altLang="en-US" dirty="0"/>
-              <a:t>対応開発環境１：</a:t>
-            </a:r>
-            <a:r>
-              <a:rPr lang="en-US" altLang="ja-JP" dirty="0"/>
-              <a:t>Arduino IDE</a:t>
-            </a:r>
-          </a:p>
-          <a:p>
-            <a:r>
-              <a:rPr lang="ja-JP" altLang="en-US" dirty="0"/>
-              <a:t>対応開発環境２：</a:t>
-            </a:r>
-            <a:r>
-              <a:rPr lang="en-US" altLang="ja-JP" dirty="0" err="1"/>
-              <a:t>Espressif</a:t>
-            </a:r>
-            <a:r>
-              <a:rPr lang="en-US" altLang="ja-JP" dirty="0"/>
-              <a:t> IDF (</a:t>
-            </a:r>
-            <a:r>
-              <a:rPr lang="en-US" altLang="ja-JP" dirty="0" err="1"/>
-              <a:t>Espressif</a:t>
-            </a:r>
-            <a:r>
-              <a:rPr lang="en-US" altLang="ja-JP" dirty="0"/>
-              <a:t> Systems</a:t>
-            </a:r>
-            <a:r>
-              <a:rPr lang="ja-JP" altLang="en-US" dirty="0"/>
-              <a:t>社が提供する</a:t>
-            </a:r>
-            <a:r>
-              <a:rPr lang="en-US" altLang="ja-JP" dirty="0"/>
-              <a:t>ESP32</a:t>
-            </a:r>
-            <a:r>
-              <a:rPr lang="ja-JP" altLang="en-US" dirty="0"/>
-              <a:t>専用の開発フレームワーク</a:t>
-            </a:r>
-            <a:r>
-              <a:rPr lang="en-US" altLang="ja-JP" dirty="0"/>
-              <a:t>)</a:t>
-            </a:r>
-            <a:r>
-              <a:rPr lang="ja-JP" altLang="en-US" dirty="0"/>
-              <a:t>。</a:t>
-            </a:r>
-            <a:r>
-              <a:rPr lang="en-US" altLang="ja-JP" dirty="0" err="1"/>
-              <a:t>VSCode</a:t>
-            </a:r>
-            <a:r>
-              <a:rPr lang="ja-JP" altLang="en-US" dirty="0"/>
-              <a:t>からの利用も</a:t>
-            </a:r>
-            <a:endParaRPr kumimoji="1" lang="ja-JP" altLang="en-US" dirty="0"/>
           </a:p>
         </p:txBody>
       </p:sp>
     </p:spTree>
     <p:extLst>
       <p:ext uri="{BB962C8B-B14F-4D97-AF65-F5344CB8AC3E}">
-        <p14:creationId xmlns:p14="http://schemas.microsoft.com/office/powerpoint/2010/main" val="1799076588"/>
+        <p14:creationId xmlns:p14="http://schemas.microsoft.com/office/powerpoint/2010/main" val="3021348316"/>
       </p:ext>
     </p:extLst>
   </p:cSld>
@@ -10389,6 +10538,226 @@
           <p:cNvPr id="2" name="タイトル 1">
             <a:extLst>
               <a:ext uri="{FF2B5EF4-FFF2-40B4-BE49-F238E27FC236}">
+                <a16:creationId xmlns:a16="http://schemas.microsoft.com/office/drawing/2014/main" id="{243D67C6-EED6-4E59-9278-0700A71D4866}"/>
+              </a:ext>
+            </a:extLst>
+          </p:cNvPr>
+          <p:cNvSpPr>
+            <a:spLocks noGrp="1"/>
+          </p:cNvSpPr>
+          <p:nvPr>
+            <p:ph type="title"/>
+          </p:nvPr>
+        </p:nvSpPr>
+        <p:spPr/>
+        <p:txBody>
+          <a:bodyPr/>
+          <a:lstStyle/>
+          <a:p>
+            <a:r>
+              <a:rPr kumimoji="1" lang="en-US" altLang="ja-JP" dirty="0"/>
+              <a:t>ESP32</a:t>
+            </a:r>
+            <a:r>
+              <a:rPr kumimoji="1" lang="ja-JP" altLang="en-US" dirty="0"/>
+              <a:t>と</a:t>
+            </a:r>
+            <a:r>
+              <a:rPr kumimoji="1" lang="en-US" altLang="ja-JP" dirty="0"/>
+              <a:t>M5Stack</a:t>
+            </a:r>
+            <a:endParaRPr kumimoji="1" lang="ja-JP" altLang="en-US" dirty="0"/>
+          </a:p>
+        </p:txBody>
+      </p:sp>
+      <p:sp>
+        <p:nvSpPr>
+          <p:cNvPr id="3" name="コンテンツ プレースホルダー 2">
+            <a:extLst>
+              <a:ext uri="{FF2B5EF4-FFF2-40B4-BE49-F238E27FC236}">
+                <a16:creationId xmlns:a16="http://schemas.microsoft.com/office/drawing/2014/main" id="{F1C55C2A-6E91-837A-53BC-692434C2BEA6}"/>
+              </a:ext>
+            </a:extLst>
+          </p:cNvPr>
+          <p:cNvSpPr>
+            <a:spLocks noGrp="1"/>
+          </p:cNvSpPr>
+          <p:nvPr>
+            <p:ph idx="1"/>
+          </p:nvPr>
+        </p:nvSpPr>
+        <p:spPr/>
+        <p:txBody>
+          <a:bodyPr/>
+          <a:lstStyle/>
+          <a:p>
+            <a:pPr marL="0" indent="0">
+              <a:buNone/>
+            </a:pPr>
+            <a:r>
+              <a:rPr lang="en-US" altLang="ja-JP" dirty="0"/>
+              <a:t>M5Stack</a:t>
+            </a:r>
+            <a:r>
+              <a:rPr lang="ja-JP" altLang="en-US" dirty="0"/>
+              <a:t>は、</a:t>
+            </a:r>
+            <a:r>
+              <a:rPr lang="en-US" altLang="ja-JP" dirty="0"/>
+              <a:t>CPU</a:t>
+            </a:r>
+            <a:r>
+              <a:rPr lang="ja-JP" altLang="en-US" dirty="0"/>
+              <a:t>として</a:t>
+            </a:r>
+            <a:r>
+              <a:rPr lang="en-US" altLang="ja-JP" dirty="0"/>
+              <a:t>ESP32</a:t>
+            </a:r>
+            <a:r>
+              <a:rPr lang="ja-JP" altLang="en-US" dirty="0"/>
+              <a:t>を搭載している。そのため、下記の特長を利用できる。</a:t>
+            </a:r>
+            <a:endParaRPr lang="en-US" altLang="ja-JP" dirty="0"/>
+          </a:p>
+          <a:p>
+            <a:endParaRPr lang="en-US" altLang="ja-JP" dirty="0"/>
+          </a:p>
+          <a:p>
+            <a:r>
+              <a:rPr kumimoji="1" lang="en-US" altLang="ja-JP" dirty="0"/>
+              <a:t>ESP32</a:t>
+            </a:r>
+            <a:r>
+              <a:rPr kumimoji="1" lang="ja-JP" altLang="en-US" dirty="0"/>
+              <a:t>はデュアルコア</a:t>
+            </a:r>
+            <a:endParaRPr kumimoji="1" lang="en-US" altLang="ja-JP" dirty="0"/>
+          </a:p>
+          <a:p>
+            <a:r>
+              <a:rPr lang="en-US" altLang="ja-JP" dirty="0" err="1"/>
+              <a:t>WiFi</a:t>
+            </a:r>
+            <a:r>
+              <a:rPr lang="ja-JP" altLang="en-US" dirty="0"/>
+              <a:t>や</a:t>
+            </a:r>
+            <a:r>
+              <a:rPr lang="en-US" altLang="ja-JP" dirty="0"/>
+              <a:t>Bluetooth</a:t>
+            </a:r>
+            <a:r>
+              <a:rPr lang="ja-JP" altLang="en-US" dirty="0"/>
+              <a:t>に対応</a:t>
+            </a:r>
+            <a:endParaRPr lang="en-US" altLang="ja-JP" dirty="0"/>
+          </a:p>
+          <a:p>
+            <a:r>
+              <a:rPr lang="ja-JP" altLang="en-US" dirty="0"/>
+              <a:t>加速度、角速度のセンサーを内蔵</a:t>
+            </a:r>
+            <a:endParaRPr lang="en-US" altLang="ja-JP" dirty="0"/>
+          </a:p>
+          <a:p>
+            <a:r>
+              <a:rPr lang="ja-JP" altLang="en-US" dirty="0"/>
+              <a:t>対応開発環境１：</a:t>
+            </a:r>
+            <a:r>
+              <a:rPr lang="en-US" altLang="ja-JP" dirty="0"/>
+              <a:t>Arduino IDE</a:t>
+            </a:r>
+          </a:p>
+          <a:p>
+            <a:r>
+              <a:rPr lang="ja-JP" altLang="en-US" dirty="0"/>
+              <a:t>対応開発環境２：</a:t>
+            </a:r>
+            <a:r>
+              <a:rPr lang="en-US" altLang="ja-JP" dirty="0" err="1"/>
+              <a:t>Espressif</a:t>
+            </a:r>
+            <a:r>
+              <a:rPr lang="en-US" altLang="ja-JP" dirty="0"/>
+              <a:t> IDF (</a:t>
+            </a:r>
+            <a:r>
+              <a:rPr lang="en-US" altLang="ja-JP" dirty="0" err="1"/>
+              <a:t>Espressif</a:t>
+            </a:r>
+            <a:r>
+              <a:rPr lang="en-US" altLang="ja-JP" dirty="0"/>
+              <a:t> Systems</a:t>
+            </a:r>
+            <a:r>
+              <a:rPr lang="ja-JP" altLang="en-US" dirty="0"/>
+              <a:t>社が提供する</a:t>
+            </a:r>
+            <a:r>
+              <a:rPr lang="en-US" altLang="ja-JP" dirty="0"/>
+              <a:t>ESP32</a:t>
+            </a:r>
+            <a:r>
+              <a:rPr lang="ja-JP" altLang="en-US" dirty="0"/>
+              <a:t>専用の開発フレームワーク</a:t>
+            </a:r>
+            <a:r>
+              <a:rPr lang="en-US" altLang="ja-JP" dirty="0"/>
+              <a:t>)</a:t>
+            </a:r>
+            <a:r>
+              <a:rPr lang="ja-JP" altLang="en-US" dirty="0"/>
+              <a:t>。</a:t>
+            </a:r>
+            <a:r>
+              <a:rPr lang="en-US" altLang="ja-JP" dirty="0" err="1"/>
+              <a:t>VSCode</a:t>
+            </a:r>
+            <a:r>
+              <a:rPr lang="ja-JP" altLang="en-US" dirty="0"/>
+              <a:t>からの利用も</a:t>
+            </a:r>
+            <a:endParaRPr kumimoji="1" lang="ja-JP" altLang="en-US" dirty="0"/>
+          </a:p>
+        </p:txBody>
+      </p:sp>
+    </p:spTree>
+    <p:extLst>
+      <p:ext uri="{BB962C8B-B14F-4D97-AF65-F5344CB8AC3E}">
+        <p14:creationId xmlns:p14="http://schemas.microsoft.com/office/powerpoint/2010/main" val="1799076588"/>
+      </p:ext>
+    </p:extLst>
+  </p:cSld>
+  <p:clrMapOvr>
+    <a:masterClrMapping/>
+  </p:clrMapOvr>
+</p:sld>
+</file>
+
+<file path=ppt/slides/slide25.xml><?xml version="1.0" encoding="utf-8"?>
+<p:sld xmlns:a="http://schemas.openxmlformats.org/drawingml/2006/main" xmlns:r="http://schemas.openxmlformats.org/officeDocument/2006/relationships" xmlns:p="http://schemas.openxmlformats.org/presentationml/2006/main">
+  <p:cSld>
+    <p:spTree>
+      <p:nvGrpSpPr>
+        <p:cNvPr id="1" name=""/>
+        <p:cNvGrpSpPr/>
+        <p:nvPr/>
+      </p:nvGrpSpPr>
+      <p:grpSpPr>
+        <a:xfrm>
+          <a:off x="0" y="0"/>
+          <a:ext cx="0" cy="0"/>
+          <a:chOff x="0" y="0"/>
+          <a:chExt cx="0" cy="0"/>
+        </a:xfrm>
+      </p:grpSpPr>
+      <p:sp>
+        <p:nvSpPr>
+          <p:cNvPr id="2" name="タイトル 1">
+            <a:extLst>
+              <a:ext uri="{FF2B5EF4-FFF2-40B4-BE49-F238E27FC236}">
                 <a16:creationId xmlns:a16="http://schemas.microsoft.com/office/drawing/2014/main" id="{C109642D-5C72-5896-73EB-3407DCE30BA9}"/>
               </a:ext>
             </a:extLst>
@@ -10487,7 +10856,7 @@
 </p:sld>
 </file>
 
-<file path=ppt/slides/slide25.xml><?xml version="1.0" encoding="utf-8"?>
+<file path=ppt/slides/slide26.xml><?xml version="1.0" encoding="utf-8"?>
 <p:sld xmlns:a="http://schemas.openxmlformats.org/drawingml/2006/main" xmlns:r="http://schemas.openxmlformats.org/officeDocument/2006/relationships" xmlns:p="http://schemas.openxmlformats.org/presentationml/2006/main">
   <p:cSld>
     <p:spTree>
